--- a/Management Paper & Poster/PosterBearbeitet.pptx
+++ b/Management Paper & Poster/PosterBearbeitet.pptx
@@ -2747,7 +2747,19 @@
     </dgm:pt>
     <dgm:pt modelId="{50E8D458-C971-4DC2-8C1E-DC1127D40AED}">
       <dgm:prSet phldrT="[Text]" custT="1"/>
-      <dgm:spPr/>
+      <dgm:spPr>
+        <a:solidFill>
+          <a:srgbClr val="002060"/>
+        </a:solidFill>
+        <a:ln>
+          <a:solidFill>
+            <a:schemeClr val="accent6">
+              <a:lumMod val="60000"/>
+              <a:lumOff val="40000"/>
+            </a:schemeClr>
+          </a:solidFill>
+        </a:ln>
+      </dgm:spPr>
       <dgm:t>
         <a:bodyPr/>
         <a:lstStyle/>
@@ -2772,13 +2784,52 @@
       </dgm:t>
     </dgm:pt>
     <dgm:pt modelId="{5CFEEDA9-344D-4A7E-9E87-EC44375C5457}" type="sibTrans" cxnId="{2583621B-CEE5-4AB8-A1A2-E658A920E7F8}">
-      <dgm:prSet/>
-      <dgm:spPr/>
+      <dgm:prSet custT="1"/>
+      <dgm:spPr>
+        <a:solidFill>
+          <a:srgbClr val="9F9FCF"/>
+        </a:solidFill>
+        <a:ln>
+          <a:noFill/>
+        </a:ln>
+        <a:effectLst/>
+        <a:scene3d>
+          <a:camera prst="orthographicFront">
+            <a:rot lat="0" lon="0" rev="0"/>
+          </a:camera>
+          <a:lightRig rig="contrasting" dir="t">
+            <a:rot lat="0" lon="0" rev="1200000"/>
+          </a:lightRig>
+        </a:scene3d>
+        <a:sp3d z="-182000" contourW="19050" prstMaterial="metal">
+          <a:bevelT w="88900" h="203200"/>
+          <a:bevelB w="165100" h="254000"/>
+        </a:sp3d>
+      </dgm:spPr>
       <dgm:t>
-        <a:bodyPr/>
+        <a:bodyPr spcFirstLastPara="0" vert="horz" wrap="square" lIns="0" tIns="0" rIns="0" bIns="0" numCol="1" spcCol="1270" anchor="ctr" anchorCtr="0"/>
         <a:lstStyle/>
         <a:p>
-          <a:endParaRPr lang="de-DE" dirty="0"/>
+          <a:pPr marL="0" lvl="0" indent="0" algn="ctr" defTabSz="1333500">
+            <a:lnSpc>
+              <a:spcPct val="90000"/>
+            </a:lnSpc>
+            <a:spcBef>
+              <a:spcPct val="0"/>
+            </a:spcBef>
+            <a:spcAft>
+              <a:spcPct val="35000"/>
+            </a:spcAft>
+            <a:buNone/>
+          </a:pPr>
+          <a:endParaRPr lang="de-DE" sz="3000" kern="1200" dirty="0">
+            <a:solidFill>
+              <a:srgbClr val="FFFFFF"/>
+            </a:solidFill>
+            <a:latin typeface="Times New Roman"/>
+            <a:ea typeface="+mn-ea"/>
+            <a:cs typeface="+mn-cs"/>
+          </a:endParaRPr>
         </a:p>
       </dgm:t>
     </dgm:pt>
@@ -2793,7 +2844,7 @@
             <a:rPr lang="de-AT" dirty="0">
               <a:effectLst/>
             </a:rPr>
-            <a:t>Programmiersprache, Architektur, Modelle </a:t>
+            <a:t>Programmiersprache, Architekturmodelle </a:t>
           </a:r>
           <a:endParaRPr lang="de-DE" dirty="0"/>
         </a:p>
@@ -2832,7 +2883,7 @@
             <a:rPr lang="de-AT" dirty="0">
               <a:effectLst/>
             </a:rPr>
-            <a:t>Bewertbarkeit von Software (Umfang, Kosten, Schnittstellen usw.)</a:t>
+            <a:t>Bewertbarkeit von Software (Umfang, Kosten, Schnittstellen, Relevanz, etc.)</a:t>
           </a:r>
           <a:endParaRPr lang="de-DE" dirty="0"/>
         </a:p>
@@ -2862,7 +2913,11 @@
     </dgm:pt>
     <dgm:pt modelId="{A1D8DE2C-9A9B-4212-B96A-C03EF5EBA655}">
       <dgm:prSet phldrT="[Text]" custT="1"/>
-      <dgm:spPr/>
+      <dgm:spPr>
+        <a:solidFill>
+          <a:srgbClr val="002060"/>
+        </a:solidFill>
+      </dgm:spPr>
       <dgm:t>
         <a:bodyPr/>
         <a:lstStyle/>
@@ -2873,7 +2928,7 @@
           </a:r>
           <a:r>
             <a:rPr lang="de-DE" sz="4800" b="0" dirty="0"/>
-            <a:t>Fragebogens</a:t>
+            <a:t>Erhebungsinstruments</a:t>
           </a:r>
         </a:p>
       </dgm:t>
@@ -2890,13 +2945,52 @@
       </dgm:t>
     </dgm:pt>
     <dgm:pt modelId="{6AB98997-E8BA-4FAA-860B-07F9B122C9F9}" type="sibTrans" cxnId="{62018E53-9237-4E20-A619-15AB4BBB508A}">
-      <dgm:prSet/>
-      <dgm:spPr/>
+      <dgm:prSet custT="1"/>
+      <dgm:spPr>
+        <a:solidFill>
+          <a:srgbClr val="9F9FCF"/>
+        </a:solidFill>
+        <a:ln>
+          <a:noFill/>
+        </a:ln>
+        <a:effectLst/>
+        <a:scene3d>
+          <a:camera prst="orthographicFront">
+            <a:rot lat="0" lon="0" rev="0"/>
+          </a:camera>
+          <a:lightRig rig="contrasting" dir="t">
+            <a:rot lat="0" lon="0" rev="1200000"/>
+          </a:lightRig>
+        </a:scene3d>
+        <a:sp3d z="-182000" contourW="19050" prstMaterial="metal">
+          <a:bevelT w="88900" h="203200"/>
+          <a:bevelB w="165100" h="254000"/>
+        </a:sp3d>
+      </dgm:spPr>
       <dgm:t>
-        <a:bodyPr/>
+        <a:bodyPr spcFirstLastPara="0" vert="horz" wrap="square" lIns="0" tIns="0" rIns="0" bIns="0" numCol="1" spcCol="1270" anchor="ctr" anchorCtr="0"/>
         <a:lstStyle/>
         <a:p>
-          <a:endParaRPr lang="de-DE"/>
+          <a:pPr marL="0" lvl="0" indent="0" algn="ctr" defTabSz="1333500">
+            <a:lnSpc>
+              <a:spcPct val="90000"/>
+            </a:lnSpc>
+            <a:spcBef>
+              <a:spcPct val="0"/>
+            </a:spcBef>
+            <a:spcAft>
+              <a:spcPct val="35000"/>
+            </a:spcAft>
+            <a:buNone/>
+          </a:pPr>
+          <a:endParaRPr lang="de-DE" sz="3000" kern="1200">
+            <a:solidFill>
+              <a:srgbClr val="FFFFFF"/>
+            </a:solidFill>
+            <a:latin typeface="Times New Roman"/>
+            <a:ea typeface="+mn-ea"/>
+            <a:cs typeface="+mn-cs"/>
+          </a:endParaRPr>
         </a:p>
       </dgm:t>
     </dgm:pt>
@@ -2980,7 +3074,11 @@
     </dgm:pt>
     <dgm:pt modelId="{6531F9DB-A83B-44B5-9454-C8C43807E8B3}">
       <dgm:prSet phldrT="[Text]" custT="1"/>
-      <dgm:spPr/>
+      <dgm:spPr>
+        <a:solidFill>
+          <a:srgbClr val="002060"/>
+        </a:solidFill>
+      </dgm:spPr>
       <dgm:t>
         <a:bodyPr/>
         <a:lstStyle/>
@@ -3023,7 +3121,7 @@
         <a:p>
           <a:r>
             <a:rPr lang="de-DE" dirty="0"/>
-            <a:t>Fertiges Erhebungsinstrument</a:t>
+            <a:t>Entwickeltes Erhebungsinstrument</a:t>
           </a:r>
         </a:p>
       </dgm:t>
@@ -3052,7 +3150,11 @@
     </dgm:pt>
     <dgm:pt modelId="{3FD226D5-2657-4C60-9837-179F82EC39FA}">
       <dgm:prSet custT="1"/>
-      <dgm:spPr/>
+      <dgm:spPr>
+        <a:solidFill>
+          <a:srgbClr val="002060"/>
+        </a:solidFill>
+      </dgm:spPr>
       <dgm:t>
         <a:bodyPr/>
         <a:lstStyle/>
@@ -3077,7 +3179,11 @@
     </dgm:pt>
     <dgm:pt modelId="{EFA32F56-BDD2-4983-9504-58A7728B6DBC}" type="sibTrans" cxnId="{EC812D77-7E0B-4DD6-8BD2-7759F0AF0531}">
       <dgm:prSet/>
-      <dgm:spPr/>
+      <dgm:spPr>
+        <a:solidFill>
+          <a:srgbClr val="9F9FCF"/>
+        </a:solidFill>
+      </dgm:spPr>
       <dgm:t>
         <a:bodyPr/>
         <a:lstStyle/>
@@ -3095,7 +3201,7 @@
         <a:p>
           <a:r>
             <a:rPr lang="de-DE" dirty="0"/>
-            <a:t>Fertige Analysestrategie</a:t>
+            <a:t>Evaluierte Analysestrategie zur Auswertung</a:t>
           </a:r>
         </a:p>
       </dgm:t>
@@ -3131,7 +3237,7 @@
         <a:p>
           <a:r>
             <a:rPr lang="de-DE" dirty="0"/>
-            <a:t>Erhebung von Echtdaten</a:t>
+            <a:t>Erhebung von Echtdaten (CAPI &amp; CATI)</a:t>
           </a:r>
         </a:p>
       </dgm:t>
@@ -3231,8 +3337,19 @@
       <dgm:spPr/>
     </dgm:pt>
     <dgm:pt modelId="{1A728E88-1D28-4A3C-8834-77D009B31C46}" type="pres">
-      <dgm:prSet presAssocID="{5CFEEDA9-344D-4A7E-9E87-EC44375C5457}" presName="sibTrans" presStyleLbl="sibTrans2D1" presStyleIdx="0" presStyleCnt="3" custScaleX="117775" custScaleY="54895" custLinFactNeighborX="-1397" custLinFactNeighborY="-31493"/>
-      <dgm:spPr/>
+      <dgm:prSet presAssocID="{5CFEEDA9-344D-4A7E-9E87-EC44375C5457}" presName="sibTrans" presStyleLbl="sibTrans2D1" presStyleIdx="0" presStyleCnt="3" custAng="21546055" custScaleX="117775" custScaleY="54895" custLinFactNeighborX="-1397" custLinFactNeighborY="-31493"/>
+      <dgm:spPr>
+        <a:xfrm rot="2957">
+          <a:off x="6991941" y="1023"/>
+          <a:ext cx="2368819" cy="854213"/>
+        </a:xfrm>
+        <a:prstGeom prst="rightArrow">
+          <a:avLst>
+            <a:gd name="adj1" fmla="val 60000"/>
+            <a:gd name="adj2" fmla="val 50000"/>
+          </a:avLst>
+        </a:prstGeom>
+      </dgm:spPr>
     </dgm:pt>
     <dgm:pt modelId="{92FC4241-60A4-4A20-9F8F-D758D66469AB}" type="pres">
       <dgm:prSet presAssocID="{5CFEEDA9-344D-4A7E-9E87-EC44375C5457}" presName="connTx" presStyleLbl="sibTrans2D1" presStyleIdx="0" presStyleCnt="3"/>
@@ -3266,7 +3383,18 @@
     </dgm:pt>
     <dgm:pt modelId="{5A94E39D-3EFE-4D68-A7BD-E614C8D8F260}" type="pres">
       <dgm:prSet presAssocID="{6AB98997-E8BA-4FAA-860B-07F9B122C9F9}" presName="sibTrans" presStyleLbl="sibTrans2D1" presStyleIdx="1" presStyleCnt="3" custScaleX="117313" custScaleY="58953" custLinFactNeighborX="-3615" custLinFactNeighborY="-30739"/>
-      <dgm:spPr/>
+      <dgm:spPr>
+        <a:xfrm>
+          <a:off x="16996043" y="-14545"/>
+          <a:ext cx="2356434" cy="917358"/>
+        </a:xfrm>
+        <a:prstGeom prst="rightArrow">
+          <a:avLst>
+            <a:gd name="adj1" fmla="val 60000"/>
+            <a:gd name="adj2" fmla="val 50000"/>
+          </a:avLst>
+        </a:prstGeom>
+      </dgm:spPr>
     </dgm:pt>
     <dgm:pt modelId="{404E0C76-57AB-46CA-95B2-5FA7267D9C95}" type="pres">
       <dgm:prSet presAssocID="{6AB98997-E8BA-4FAA-860B-07F9B122C9F9}" presName="connTx" presStyleLbl="sibTrans2D1" presStyleIdx="1" presStyleCnt="3"/>
@@ -3299,7 +3427,7 @@
       <dgm:spPr/>
     </dgm:pt>
     <dgm:pt modelId="{2732C278-16F6-4C38-ACAF-16C0075382E3}" type="pres">
-      <dgm:prSet presAssocID="{EFA32F56-BDD2-4983-9504-58A7728B6DBC}" presName="sibTrans" presStyleLbl="sibTrans2D1" presStyleIdx="2" presStyleCnt="3" custScaleX="115645" custScaleY="60359" custLinFactNeighborX="-9680" custLinFactNeighborY="-29101"/>
+      <dgm:prSet presAssocID="{EFA32F56-BDD2-4983-9504-58A7728B6DBC}" presName="sibTrans" presStyleLbl="sibTrans2D1" presStyleIdx="2" presStyleCnt="3" custScaleX="115645" custScaleY="60359" custLinFactNeighborX="-3321" custLinFactNeighborY="-28377"/>
       <dgm:spPr/>
     </dgm:pt>
     <dgm:pt modelId="{98FE427F-44DA-4029-90A2-E1C665A4B8BB}" type="pres">
@@ -3404,7 +3532,7 @@
   <dgm:whole/>
   <dgm:extLst>
     <a:ext uri="http://schemas.microsoft.com/office/drawing/2008/diagram">
-      <dsp:dataModelExt xmlns:dsp="http://schemas.microsoft.com/office/drawing/2008/diagram" relId="rId7" minVer="http://schemas.openxmlformats.org/drawingml/2006/diagram"/>
+      <dsp:dataModelExt xmlns:dsp="http://schemas.microsoft.com/office/drawing/2008/diagram" relId="rId8" minVer="http://schemas.openxmlformats.org/drawingml/2006/diagram"/>
     </a:ext>
   </dgm:extLst>
 </dgm:dataModel>
@@ -3425,8 +3553,8 @@
       </dsp:nvSpPr>
       <dsp:spPr>
         <a:xfrm>
-          <a:off x="0" y="0"/>
-          <a:ext cx="6250064" cy="2741457"/>
+          <a:off x="0" y="581"/>
+          <a:ext cx="6250064" cy="2689619"/>
         </a:xfrm>
         <a:prstGeom prst="roundRect">
           <a:avLst>
@@ -3434,15 +3562,15 @@
           </a:avLst>
         </a:prstGeom>
         <a:solidFill>
-          <a:schemeClr val="accent1">
-            <a:hueOff val="0"/>
-            <a:satOff val="0"/>
-            <a:lumOff val="0"/>
-            <a:alphaOff val="0"/>
-          </a:schemeClr>
+          <a:srgbClr val="002060"/>
         </a:solidFill>
         <a:ln>
-          <a:noFill/>
+          <a:solidFill>
+            <a:schemeClr val="accent6">
+              <a:lumMod val="60000"/>
+              <a:lumOff val="40000"/>
+            </a:schemeClr>
+          </a:solidFill>
         </a:ln>
         <a:effectLst>
           <a:outerShdw blurRad="40000" dist="23000" dir="5400000" rotWithShape="0">
@@ -3504,8 +3632,8 @@
         </a:p>
       </dsp:txBody>
       <dsp:txXfrm>
-        <a:off x="0" y="0"/>
-        <a:ext cx="6250064" cy="1827638"/>
+        <a:off x="0" y="581"/>
+        <a:ext cx="6250064" cy="1793079"/>
       </dsp:txXfrm>
     </dsp:sp>
     <dsp:sp modelId="{671E6596-949F-4BDD-B043-172081BF732E}">
@@ -3515,8 +3643,8 @@
       </dsp:nvSpPr>
       <dsp:spPr>
         <a:xfrm>
-          <a:off x="1285107" y="1836278"/>
-          <a:ext cx="6250064" cy="3263400"/>
+          <a:off x="1285107" y="1951299"/>
+          <a:ext cx="6250064" cy="2998800"/>
         </a:xfrm>
         <a:prstGeom prst="roundRect">
           <a:avLst>
@@ -3562,12 +3690,12 @@
         <a:fontRef idx="minor"/>
       </dsp:style>
       <dsp:txBody>
-        <a:bodyPr spcFirstLastPara="0" vert="horz" wrap="square" lIns="263144" tIns="263144" rIns="263144" bIns="263144" numCol="1" spcCol="1270" anchor="t" anchorCtr="0">
+        <a:bodyPr spcFirstLastPara="0" vert="horz" wrap="square" lIns="241808" tIns="241808" rIns="241808" bIns="241808" numCol="1" spcCol="1270" anchor="t" anchorCtr="0">
           <a:noAutofit/>
         </a:bodyPr>
         <a:lstStyle/>
         <a:p>
-          <a:pPr marL="285750" lvl="1" indent="-285750" algn="l" defTabSz="1644650">
+          <a:pPr marL="285750" lvl="1" indent="-285750" algn="l" defTabSz="1511300">
             <a:lnSpc>
               <a:spcPct val="90000"/>
             </a:lnSpc>
@@ -3580,15 +3708,15 @@
             <a:buChar char="•"/>
           </a:pPr>
           <a:r>
-            <a:rPr lang="de-AT" sz="3700" kern="1200" dirty="0">
+            <a:rPr lang="de-AT" sz="3400" kern="1200" dirty="0">
               <a:effectLst/>
             </a:rPr>
-            <a:t>Programmiersprache, Architektur, Modelle </a:t>
+            <a:t>Programmiersprache, Architekturmodelle </a:t>
           </a:r>
-          <a:endParaRPr lang="de-DE" sz="3700" kern="1200" dirty="0"/>
+          <a:endParaRPr lang="de-DE" sz="3400" kern="1200" dirty="0"/>
         </a:p>
         <a:p>
-          <a:pPr marL="285750" lvl="1" indent="-285750" algn="l" defTabSz="1644650">
+          <a:pPr marL="285750" lvl="1" indent="-285750" algn="l" defTabSz="1511300">
             <a:lnSpc>
               <a:spcPct val="90000"/>
             </a:lnSpc>
@@ -3601,17 +3729,17 @@
             <a:buChar char="•"/>
           </a:pPr>
           <a:r>
-            <a:rPr lang="de-AT" sz="3700" kern="1200" dirty="0">
+            <a:rPr lang="de-AT" sz="3400" kern="1200" dirty="0">
               <a:effectLst/>
             </a:rPr>
-            <a:t>Bewertbarkeit von Software (Umfang, Kosten, Schnittstellen usw.)</a:t>
+            <a:t>Bewertbarkeit von Software (Umfang, Kosten, Schnittstellen, Relevanz, etc.)</a:t>
           </a:r>
-          <a:endParaRPr lang="de-DE" sz="3700" kern="1200" dirty="0"/>
+          <a:endParaRPr lang="de-DE" sz="3400" kern="1200" dirty="0"/>
         </a:p>
       </dsp:txBody>
       <dsp:txXfrm>
-        <a:off x="1380689" y="1931860"/>
-        <a:ext cx="6058900" cy="3072236"/>
+        <a:off x="1372939" y="2039131"/>
+        <a:ext cx="6074400" cy="2823136"/>
       </dsp:txXfrm>
     </dsp:sp>
     <dsp:sp modelId="{1A728E88-1D28-4A3C-8834-77D009B31C46}">
@@ -3620,9 +3748,9 @@
         <dsp:cNvSpPr/>
       </dsp:nvSpPr>
       <dsp:spPr>
-        <a:xfrm rot="2957">
-          <a:off x="6991941" y="1023"/>
-          <a:ext cx="2368819" cy="854213"/>
+        <a:xfrm>
+          <a:off x="6991792" y="59669"/>
+          <a:ext cx="2369110" cy="854213"/>
         </a:xfrm>
         <a:prstGeom prst="rightArrow">
           <a:avLst>
@@ -3631,13 +3759,7 @@
           </a:avLst>
         </a:prstGeom>
         <a:solidFill>
-          <a:schemeClr val="accent1">
-            <a:tint val="60000"/>
-            <a:hueOff val="0"/>
-            <a:satOff val="0"/>
-            <a:lumOff val="0"/>
-            <a:alphaOff val="0"/>
-          </a:schemeClr>
+          <a:srgbClr val="9F9FCF"/>
         </a:solidFill>
         <a:ln>
           <a:noFill/>
@@ -3688,12 +3810,19 @@
             </a:spcAft>
             <a:buNone/>
           </a:pPr>
-          <a:endParaRPr lang="de-DE" sz="3000" kern="1200" dirty="0"/>
+          <a:endParaRPr lang="de-DE" sz="3000" kern="1200" dirty="0">
+            <a:solidFill>
+              <a:srgbClr val="FFFFFF"/>
+            </a:solidFill>
+            <a:latin typeface="Times New Roman"/>
+            <a:ea typeface="+mn-ea"/>
+            <a:cs typeface="+mn-cs"/>
+          </a:endParaRPr>
         </a:p>
       </dsp:txBody>
       <dsp:txXfrm>
-        <a:off x="6991941" y="171756"/>
-        <a:ext cx="2112555" cy="512527"/>
+        <a:off x="6991792" y="230512"/>
+        <a:ext cx="2112846" cy="512527"/>
       </dsp:txXfrm>
     </dsp:sp>
     <dsp:sp modelId="{B10AC0EE-0202-4AF2-BD9E-7E6B3A121DC3}">
@@ -3703,8 +3832,8 @@
       </dsp:nvSpPr>
       <dsp:spPr>
         <a:xfrm>
-          <a:off x="10044986" y="8640"/>
-          <a:ext cx="6250064" cy="2741457"/>
+          <a:off x="10044986" y="158219"/>
+          <a:ext cx="6250064" cy="2689619"/>
         </a:xfrm>
         <a:prstGeom prst="roundRect">
           <a:avLst>
@@ -3712,12 +3841,7 @@
           </a:avLst>
         </a:prstGeom>
         <a:solidFill>
-          <a:schemeClr val="accent1">
-            <a:hueOff val="0"/>
-            <a:satOff val="0"/>
-            <a:lumOff val="0"/>
-            <a:alphaOff val="0"/>
-          </a:schemeClr>
+          <a:srgbClr val="002060"/>
         </a:solidFill>
         <a:ln>
           <a:noFill/>
@@ -3780,13 +3904,13 @@
           </a:r>
           <a:r>
             <a:rPr lang="de-DE" sz="4800" b="0" kern="1200" dirty="0"/>
-            <a:t>Fragebogens</a:t>
+            <a:t>Erhebungsinstruments</a:t>
           </a:r>
         </a:p>
       </dsp:txBody>
       <dsp:txXfrm>
-        <a:off x="10044986" y="8640"/>
-        <a:ext cx="6250064" cy="1827638"/>
+        <a:off x="10044986" y="158219"/>
+        <a:ext cx="6250064" cy="1793079"/>
       </dsp:txXfrm>
     </dsp:sp>
     <dsp:sp modelId="{3E399EB9-57D3-4F69-AA5A-57288CA0683F}">
@@ -3796,8 +3920,8 @@
       </dsp:nvSpPr>
       <dsp:spPr>
         <a:xfrm>
-          <a:off x="11325120" y="1836278"/>
-          <a:ext cx="6250064" cy="3263400"/>
+          <a:off x="11325120" y="1951299"/>
+          <a:ext cx="6250064" cy="2998800"/>
         </a:xfrm>
         <a:prstGeom prst="roundRect">
           <a:avLst>
@@ -3843,12 +3967,12 @@
         <a:fontRef idx="minor"/>
       </dsp:style>
       <dsp:txBody>
-        <a:bodyPr spcFirstLastPara="0" vert="horz" wrap="square" lIns="263144" tIns="263144" rIns="263144" bIns="263144" numCol="1" spcCol="1270" anchor="t" anchorCtr="0">
+        <a:bodyPr spcFirstLastPara="0" vert="horz" wrap="square" lIns="241808" tIns="241808" rIns="241808" bIns="241808" numCol="1" spcCol="1270" anchor="t" anchorCtr="0">
           <a:noAutofit/>
         </a:bodyPr>
         <a:lstStyle/>
         <a:p>
-          <a:pPr marL="285750" lvl="1" indent="-285750" algn="l" defTabSz="1644650">
+          <a:pPr marL="285750" lvl="1" indent="-285750" algn="l" defTabSz="1511300">
             <a:lnSpc>
               <a:spcPct val="90000"/>
             </a:lnSpc>
@@ -3861,15 +3985,15 @@
             <a:buChar char="•"/>
           </a:pPr>
           <a:r>
-            <a:rPr lang="de-AT" sz="3700" kern="1200" dirty="0">
+            <a:rPr lang="de-AT" sz="3400" kern="1200" dirty="0">
               <a:effectLst/>
             </a:rPr>
             <a:t>Identifikation und Kategorisierung der ermittelten Parameter</a:t>
           </a:r>
-          <a:endParaRPr lang="de-DE" sz="3700" kern="1200" dirty="0"/>
+          <a:endParaRPr lang="de-DE" sz="3400" kern="1200" dirty="0"/>
         </a:p>
         <a:p>
-          <a:pPr marL="285750" lvl="1" indent="-285750" algn="l" defTabSz="1644650">
+          <a:pPr marL="285750" lvl="1" indent="-285750" algn="l" defTabSz="1511300">
             <a:lnSpc>
               <a:spcPct val="90000"/>
             </a:lnSpc>
@@ -3882,17 +4006,17 @@
             <a:buChar char="•"/>
           </a:pPr>
           <a:r>
-            <a:rPr lang="de-AT" sz="3700" kern="1200" dirty="0">
+            <a:rPr lang="de-AT" sz="3400" kern="1200" dirty="0">
               <a:effectLst/>
             </a:rPr>
             <a:t>Evaluierung der Ergebnisse mit ExpertInnen </a:t>
           </a:r>
-          <a:endParaRPr lang="de-DE" sz="3700" kern="1200" dirty="0"/>
+          <a:endParaRPr lang="de-DE" sz="3400" kern="1200" dirty="0"/>
         </a:p>
       </dsp:txBody>
       <dsp:txXfrm>
-        <a:off x="11420702" y="1931860"/>
-        <a:ext cx="6058900" cy="3072236"/>
+        <a:off x="11412952" y="2039131"/>
+        <a:ext cx="6074400" cy="2823136"/>
       </dsp:txXfrm>
     </dsp:sp>
     <dsp:sp modelId="{5A94E39D-3EFE-4D68-A7BD-E614C8D8F260}">
@@ -3902,7 +4026,7 @@
       </dsp:nvSpPr>
       <dsp:spPr>
         <a:xfrm>
-          <a:off x="16996043" y="-14545"/>
+          <a:off x="16996043" y="117754"/>
           <a:ext cx="2356434" cy="917358"/>
         </a:xfrm>
         <a:prstGeom prst="rightArrow">
@@ -3912,13 +4036,7 @@
           </a:avLst>
         </a:prstGeom>
         <a:solidFill>
-          <a:schemeClr val="accent1">
-            <a:tint val="60000"/>
-            <a:hueOff val="0"/>
-            <a:satOff val="0"/>
-            <a:lumOff val="0"/>
-            <a:alphaOff val="0"/>
-          </a:schemeClr>
+          <a:srgbClr val="9F9FCF"/>
         </a:solidFill>
         <a:ln>
           <a:noFill/>
@@ -3969,11 +4087,18 @@
             </a:spcAft>
             <a:buNone/>
           </a:pPr>
-          <a:endParaRPr lang="de-DE" sz="3000" kern="1200"/>
+          <a:endParaRPr lang="de-DE" sz="3000" kern="1200">
+            <a:solidFill>
+              <a:srgbClr val="FFFFFF"/>
+            </a:solidFill>
+            <a:latin typeface="Times New Roman"/>
+            <a:ea typeface="+mn-ea"/>
+            <a:cs typeface="+mn-cs"/>
+          </a:endParaRPr>
         </a:p>
       </dsp:txBody>
       <dsp:txXfrm>
-        <a:off x="16996043" y="168927"/>
+        <a:off x="16996043" y="301226"/>
         <a:ext cx="2081227" cy="550414"/>
       </dsp:txXfrm>
     </dsp:sp>
@@ -3984,8 +4109,8 @@
       </dsp:nvSpPr>
       <dsp:spPr>
         <a:xfrm>
-          <a:off x="20084999" y="8640"/>
-          <a:ext cx="6250064" cy="2741457"/>
+          <a:off x="20084999" y="158219"/>
+          <a:ext cx="6250064" cy="2689619"/>
         </a:xfrm>
         <a:prstGeom prst="roundRect">
           <a:avLst>
@@ -3993,12 +4118,7 @@
           </a:avLst>
         </a:prstGeom>
         <a:solidFill>
-          <a:schemeClr val="accent1">
-            <a:hueOff val="0"/>
-            <a:satOff val="0"/>
-            <a:lumOff val="0"/>
-            <a:alphaOff val="0"/>
-          </a:schemeClr>
+          <a:srgbClr val="002060"/>
         </a:solidFill>
         <a:ln>
           <a:noFill/>
@@ -4062,8 +4182,8 @@
         </a:p>
       </dsp:txBody>
       <dsp:txXfrm>
-        <a:off x="20084999" y="8640"/>
-        <a:ext cx="6250064" cy="1827638"/>
+        <a:off x="20084999" y="158219"/>
+        <a:ext cx="6250064" cy="1793079"/>
       </dsp:txXfrm>
     </dsp:sp>
     <dsp:sp modelId="{03B61E60-6E2E-420D-B97A-32783AA9E551}">
@@ -4073,8 +4193,8 @@
       </dsp:nvSpPr>
       <dsp:spPr>
         <a:xfrm>
-          <a:off x="21365133" y="1836278"/>
-          <a:ext cx="6250064" cy="3263400"/>
+          <a:off x="21365133" y="1951299"/>
+          <a:ext cx="6250064" cy="2998800"/>
         </a:xfrm>
         <a:prstGeom prst="roundRect">
           <a:avLst>
@@ -4120,12 +4240,12 @@
         <a:fontRef idx="minor"/>
       </dsp:style>
       <dsp:txBody>
-        <a:bodyPr spcFirstLastPara="0" vert="horz" wrap="square" lIns="263144" tIns="263144" rIns="263144" bIns="263144" numCol="1" spcCol="1270" anchor="t" anchorCtr="0">
+        <a:bodyPr spcFirstLastPara="0" vert="horz" wrap="square" lIns="241808" tIns="241808" rIns="241808" bIns="241808" numCol="1" spcCol="1270" anchor="t" anchorCtr="0">
           <a:noAutofit/>
         </a:bodyPr>
         <a:lstStyle/>
         <a:p>
-          <a:pPr marL="285750" lvl="1" indent="-285750" algn="l" defTabSz="1644650">
+          <a:pPr marL="285750" lvl="1" indent="-285750" algn="l" defTabSz="1511300">
             <a:lnSpc>
               <a:spcPct val="90000"/>
             </a:lnSpc>
@@ -4138,12 +4258,12 @@
             <a:buChar char="•"/>
           </a:pPr>
           <a:r>
-            <a:rPr lang="de-DE" sz="3700" kern="1200" dirty="0"/>
-            <a:t>Erhebung von Echtdaten</a:t>
+            <a:rPr lang="de-DE" sz="3400" kern="1200" dirty="0"/>
+            <a:t>Erhebung von Echtdaten (CAPI &amp; CATI)</a:t>
           </a:r>
         </a:p>
         <a:p>
-          <a:pPr marL="285750" lvl="1" indent="-285750" algn="l" defTabSz="1644650">
+          <a:pPr marL="285750" lvl="1" indent="-285750" algn="l" defTabSz="1511300">
             <a:lnSpc>
               <a:spcPct val="90000"/>
             </a:lnSpc>
@@ -4156,14 +4276,14 @@
             <a:buChar char="•"/>
           </a:pPr>
           <a:r>
-            <a:rPr lang="de-DE" sz="3700" kern="1200" dirty="0"/>
+            <a:rPr lang="de-DE" sz="3400" kern="1200" dirty="0"/>
             <a:t>Evaluierung der Analysestrategie</a:t>
           </a:r>
         </a:p>
       </dsp:txBody>
       <dsp:txXfrm>
-        <a:off x="21460715" y="1931860"/>
-        <a:ext cx="6058900" cy="3072236"/>
+        <a:off x="21452965" y="2039131"/>
+        <a:ext cx="6074400" cy="2823136"/>
       </dsp:txXfrm>
     </dsp:sp>
     <dsp:sp modelId="{2732C278-16F6-4C38-ACAF-16C0075382E3}">
@@ -4173,7 +4293,7 @@
       </dsp:nvSpPr>
       <dsp:spPr>
         <a:xfrm>
-          <a:off x="26930982" y="4"/>
+          <a:off x="27058714" y="143570"/>
           <a:ext cx="2322929" cy="939237"/>
         </a:xfrm>
         <a:prstGeom prst="rightArrow">
@@ -4183,13 +4303,7 @@
           </a:avLst>
         </a:prstGeom>
         <a:solidFill>
-          <a:schemeClr val="accent1">
-            <a:tint val="60000"/>
-            <a:hueOff val="0"/>
-            <a:satOff val="0"/>
-            <a:lumOff val="0"/>
-            <a:alphaOff val="0"/>
-          </a:schemeClr>
+          <a:srgbClr val="9F9FCF"/>
         </a:solidFill>
         <a:ln>
           <a:noFill/>
@@ -4228,7 +4342,7 @@
         </a:bodyPr>
         <a:lstStyle/>
         <a:p>
-          <a:pPr marL="0" lvl="0" indent="0" algn="ctr" defTabSz="1333500">
+          <a:pPr marL="0" lvl="0" indent="0" algn="ctr" defTabSz="1200150">
             <a:lnSpc>
               <a:spcPct val="90000"/>
             </a:lnSpc>
@@ -4240,11 +4354,11 @@
             </a:spcAft>
             <a:buNone/>
           </a:pPr>
-          <a:endParaRPr lang="de-DE" sz="3000" kern="1200"/>
+          <a:endParaRPr lang="de-DE" sz="2700" kern="1200"/>
         </a:p>
       </dsp:txBody>
       <dsp:txXfrm>
-        <a:off x="26930982" y="187851"/>
+        <a:off x="27058714" y="331417"/>
         <a:ext cx="2041158" cy="563543"/>
       </dsp:txXfrm>
     </dsp:sp>
@@ -4255,8 +4369,8 @@
       </dsp:nvSpPr>
       <dsp:spPr>
         <a:xfrm>
-          <a:off x="30125012" y="8640"/>
-          <a:ext cx="6250064" cy="2741457"/>
+          <a:off x="30125012" y="158219"/>
+          <a:ext cx="6250064" cy="2689619"/>
         </a:xfrm>
         <a:prstGeom prst="roundRect">
           <a:avLst>
@@ -4264,12 +4378,7 @@
           </a:avLst>
         </a:prstGeom>
         <a:solidFill>
-          <a:schemeClr val="accent1">
-            <a:hueOff val="0"/>
-            <a:satOff val="0"/>
-            <a:lumOff val="0"/>
-            <a:alphaOff val="0"/>
-          </a:schemeClr>
+          <a:srgbClr val="002060"/>
         </a:solidFill>
         <a:ln>
           <a:noFill/>
@@ -4333,8 +4442,8 @@
         </a:p>
       </dsp:txBody>
       <dsp:txXfrm>
-        <a:off x="30125012" y="8640"/>
-        <a:ext cx="6250064" cy="1827638"/>
+        <a:off x="30125012" y="158219"/>
+        <a:ext cx="6250064" cy="1793079"/>
       </dsp:txXfrm>
     </dsp:sp>
     <dsp:sp modelId="{A0BCCB5C-71B3-423A-BBFF-B13DDFE4BC81}">
@@ -4344,8 +4453,8 @@
       </dsp:nvSpPr>
       <dsp:spPr>
         <a:xfrm>
-          <a:off x="31405146" y="1836278"/>
-          <a:ext cx="6250064" cy="3263400"/>
+          <a:off x="31405146" y="1951299"/>
+          <a:ext cx="6250064" cy="2998800"/>
         </a:xfrm>
         <a:prstGeom prst="roundRect">
           <a:avLst>
@@ -4391,12 +4500,12 @@
         <a:fontRef idx="minor"/>
       </dsp:style>
       <dsp:txBody>
-        <a:bodyPr spcFirstLastPara="0" vert="horz" wrap="square" lIns="263144" tIns="263144" rIns="263144" bIns="263144" numCol="1" spcCol="1270" anchor="t" anchorCtr="0">
+        <a:bodyPr spcFirstLastPara="0" vert="horz" wrap="square" lIns="241808" tIns="241808" rIns="241808" bIns="241808" numCol="1" spcCol="1270" anchor="t" anchorCtr="0">
           <a:noAutofit/>
         </a:bodyPr>
         <a:lstStyle/>
         <a:p>
-          <a:pPr marL="285750" lvl="1" indent="-285750" algn="l" defTabSz="1644650">
+          <a:pPr marL="285750" lvl="1" indent="-285750" algn="l" defTabSz="1511300">
             <a:lnSpc>
               <a:spcPct val="90000"/>
             </a:lnSpc>
@@ -4409,12 +4518,12 @@
             <a:buChar char="•"/>
           </a:pPr>
           <a:r>
-            <a:rPr lang="de-DE" sz="3700" kern="1200" dirty="0"/>
-            <a:t>Fertiges Erhebungsinstrument</a:t>
+            <a:rPr lang="de-DE" sz="3400" kern="1200" dirty="0"/>
+            <a:t>Entwickeltes Erhebungsinstrument</a:t>
           </a:r>
         </a:p>
         <a:p>
-          <a:pPr marL="285750" lvl="1" indent="-285750" algn="l" defTabSz="1644650">
+          <a:pPr marL="285750" lvl="1" indent="-285750" algn="l" defTabSz="1511300">
             <a:lnSpc>
               <a:spcPct val="90000"/>
             </a:lnSpc>
@@ -4427,14 +4536,14 @@
             <a:buChar char="•"/>
           </a:pPr>
           <a:r>
-            <a:rPr lang="de-DE" sz="3700" kern="1200" dirty="0"/>
-            <a:t>Fertige Analysestrategie</a:t>
+            <a:rPr lang="de-DE" sz="3400" kern="1200" dirty="0"/>
+            <a:t>Evaluierte Analysestrategie zur Auswertung</a:t>
           </a:r>
         </a:p>
       </dsp:txBody>
       <dsp:txXfrm>
-        <a:off x="31500728" y="1931860"/>
-        <a:ext cx="6058900" cy="3072236"/>
+        <a:off x="31492978" y="2039131"/>
+        <a:ext cx="6074400" cy="2823136"/>
       </dsp:txXfrm>
     </dsp:sp>
   </dsp:spTree>
@@ -6226,14 +6335,14 @@
           </a:ln>
           <a:extLst>
             <a:ext uri="{909E8E84-426E-40dd-AFC4-6F175D3DCCD1}">
-              <a14:hiddenFill xmlns:a14="http://schemas.microsoft.com/office/drawing/2010/main" xmlns="">
+              <a14:hiddenFill xmlns="" xmlns:a14="http://schemas.microsoft.com/office/drawing/2010/main">
                 <a:solidFill>
                   <a:srgbClr val="FFFFFF"/>
                 </a:solidFill>
               </a14:hiddenFill>
             </a:ext>
             <a:ext uri="{FAA26D3D-D897-4be2-8F04-BA451C77F1D7}">
-              <ma14:placeholderFlag xmlns:ma14="http://schemas.microsoft.com/office/mac/drawingml/2011/main" xmlns="" val="1"/>
+              <ma14:placeholderFlag xmlns="" xmlns:ma14="http://schemas.microsoft.com/office/mac/drawingml/2011/main" val="1"/>
             </a:ext>
           </a:extLst>
         </p:spPr>
@@ -8470,14 +8579,14 @@
           </a:ln>
           <a:extLst>
             <a:ext uri="{909E8E84-426E-40dd-AFC4-6F175D3DCCD1}">
-              <a14:hiddenFill xmlns:a14="http://schemas.microsoft.com/office/drawing/2010/main" xmlns="">
+              <a14:hiddenFill xmlns="" xmlns:a14="http://schemas.microsoft.com/office/drawing/2010/main">
                 <a:solidFill>
                   <a:srgbClr val="FFFFFF"/>
                 </a:solidFill>
               </a14:hiddenFill>
             </a:ext>
             <a:ext uri="{91240B29-F687-4f45-9708-019B960494DF}">
-              <a14:hiddenLine xmlns:a14="http://schemas.microsoft.com/office/drawing/2010/main" xmlns="" w="9525">
+              <a14:hiddenLine xmlns="" xmlns:a14="http://schemas.microsoft.com/office/drawing/2010/main" w="9525">
                 <a:solidFill>
                   <a:srgbClr val="000000"/>
                 </a:solidFill>
@@ -8487,7 +8596,7 @@
               </a14:hiddenLine>
             </a:ext>
             <a:ext uri="{FAA26D3D-D897-4be2-8F04-BA451C77F1D7}">
-              <ma14:placeholderFlag xmlns:ma14="http://schemas.microsoft.com/office/mac/drawingml/2011/main" xmlns="" val="1"/>
+              <ma14:placeholderFlag xmlns="" xmlns:ma14="http://schemas.microsoft.com/office/mac/drawingml/2011/main" val="1"/>
             </a:ext>
           </a:extLst>
         </p:spPr>
@@ -10824,14 +10933,14 @@
           </a:ln>
           <a:extLst>
             <a:ext uri="{909E8E84-426E-40dd-AFC4-6F175D3DCCD1}">
-              <a14:hiddenFill xmlns:a14="http://schemas.microsoft.com/office/drawing/2010/main" xmlns="">
+              <a14:hiddenFill xmlns="" xmlns:a14="http://schemas.microsoft.com/office/drawing/2010/main">
                 <a:solidFill>
                   <a:srgbClr val="FFFFFF"/>
                 </a:solidFill>
               </a14:hiddenFill>
             </a:ext>
             <a:ext uri="{91240B29-F687-4f45-9708-019B960494DF}">
-              <a14:hiddenLine xmlns:a14="http://schemas.microsoft.com/office/drawing/2010/main" xmlns="" w="9525">
+              <a14:hiddenLine xmlns="" xmlns:a14="http://schemas.microsoft.com/office/drawing/2010/main" w="9525">
                 <a:solidFill>
                   <a:srgbClr val="000000"/>
                 </a:solidFill>
@@ -10841,7 +10950,7 @@
               </a14:hiddenLine>
             </a:ext>
             <a:ext uri="{FAA26D3D-D897-4be2-8F04-BA451C77F1D7}">
-              <ma14:placeholderFlag xmlns:ma14="http://schemas.microsoft.com/office/mac/drawingml/2011/main" xmlns="" val="1"/>
+              <ma14:placeholderFlag xmlns="" xmlns:ma14="http://schemas.microsoft.com/office/mac/drawingml/2011/main" val="1"/>
             </a:ext>
           </a:extLst>
         </p:spPr>
@@ -10885,14 +10994,14 @@
           </a:ln>
           <a:extLst>
             <a:ext uri="{909E8E84-426E-40dd-AFC4-6F175D3DCCD1}">
-              <a14:hiddenFill xmlns:a14="http://schemas.microsoft.com/office/drawing/2010/main" xmlns="">
+              <a14:hiddenFill xmlns="" xmlns:a14="http://schemas.microsoft.com/office/drawing/2010/main">
                 <a:solidFill>
                   <a:srgbClr val="FFFFFF"/>
                 </a:solidFill>
               </a14:hiddenFill>
             </a:ext>
             <a:ext uri="{91240B29-F687-4f45-9708-019B960494DF}">
-              <a14:hiddenLine xmlns:a14="http://schemas.microsoft.com/office/drawing/2010/main" xmlns="" w="9525">
+              <a14:hiddenLine xmlns="" xmlns:a14="http://schemas.microsoft.com/office/drawing/2010/main" w="9525">
                 <a:solidFill>
                   <a:srgbClr val="000000"/>
                 </a:solidFill>
@@ -10902,7 +11011,7 @@
               </a14:hiddenLine>
             </a:ext>
             <a:ext uri="{FAA26D3D-D897-4be2-8F04-BA451C77F1D7}">
-              <ma14:placeholderFlag xmlns:ma14="http://schemas.microsoft.com/office/mac/drawingml/2011/main" xmlns="" val="1"/>
+              <ma14:placeholderFlag xmlns="" xmlns:ma14="http://schemas.microsoft.com/office/mac/drawingml/2011/main" val="1"/>
             </a:ext>
           </a:extLst>
         </p:spPr>
@@ -11500,6 +11609,53 @@
           <a:chExt cx="0" cy="0"/>
         </a:xfrm>
       </p:grpSpPr>
+      <p:pic>
+        <p:nvPicPr>
+          <p:cNvPr id="1028" name="Picture 4" descr="Bildergebnis fÃ¼r auswertungsdiagramm">
+            <a:extLst>
+              <a:ext uri="{FF2B5EF4-FFF2-40B4-BE49-F238E27FC236}">
+                <a16:creationId xmlns:a16="http://schemas.microsoft.com/office/drawing/2014/main" id="{7037FCB7-A984-4ACE-850F-413186345E84}"/>
+              </a:ext>
+            </a:extLst>
+          </p:cNvPr>
+          <p:cNvPicPr>
+            <a:picLocks noChangeAspect="1" noChangeArrowheads="1"/>
+          </p:cNvPicPr>
+          <p:nvPr/>
+        </p:nvPicPr>
+        <p:blipFill>
+          <a:blip r:embed="rId2">
+            <a:extLst>
+              <a:ext uri="{28A0092B-C50C-407E-A947-70E740481C1C}">
+                <a14:useLocalDpi xmlns:a14="http://schemas.microsoft.com/office/drawing/2010/main" val="0"/>
+              </a:ext>
+            </a:extLst>
+          </a:blip>
+          <a:srcRect/>
+          <a:stretch>
+            <a:fillRect/>
+          </a:stretch>
+        </p:blipFill>
+        <p:spPr bwMode="auto">
+          <a:xfrm>
+            <a:off x="29702962" y="15425638"/>
+            <a:ext cx="6727675" cy="6727675"/>
+          </a:xfrm>
+          <a:prstGeom prst="rect">
+            <a:avLst/>
+          </a:prstGeom>
+          <a:noFill/>
+          <a:extLst>
+            <a:ext uri="{909E8E84-426E-40DD-AFC4-6F175D3DCCD1}">
+              <a14:hiddenFill xmlns:a14="http://schemas.microsoft.com/office/drawing/2010/main">
+                <a:solidFill>
+                  <a:srgbClr val="FFFFFF"/>
+                </a:solidFill>
+              </a14:hiddenFill>
+            </a:ext>
+          </a:extLst>
+        </p:spPr>
+      </p:pic>
       <p:sp>
         <p:nvSpPr>
           <p:cNvPr id="5" name="Inhaltsplatzhalter 17">
@@ -11669,7 +11825,7 @@
             </a:lvl9pPr>
           </a:lstStyle>
           <a:p>
-            <a:pPr marL="0" indent="0" algn="just">
+            <a:pPr marL="0" indent="0">
               <a:buFontTx/>
               <a:buNone/>
             </a:pPr>
@@ -11684,7 +11840,7 @@
             </a:endParaRPr>
           </a:p>
           <a:p>
-            <a:pPr algn="just">
+            <a:pPr>
               <a:buFont typeface="Wingdings" panose="05000000000000000000" pitchFamily="2" charset="2"/>
               <a:buChar char="Ø"/>
             </a:pPr>
@@ -11699,7 +11855,7 @@
             </a:endParaRPr>
           </a:p>
           <a:p>
-            <a:pPr algn="just">
+            <a:pPr>
               <a:buFont typeface="Wingdings" panose="05000000000000000000" pitchFamily="2" charset="2"/>
               <a:buChar char="Ø"/>
             </a:pPr>
@@ -11707,11 +11863,11 @@
               <a:rPr lang="de-AT" sz="3200" kern="0" dirty="0">
                 <a:effectLst/>
               </a:rPr>
-              <a:t>In Bezug auf Österreich ist das Wissen über eigenentwickelte Software gering</a:t>
-            </a:r>
-          </a:p>
-          <a:p>
-            <a:pPr marL="0" indent="0" algn="just">
+              <a:t>In Bezug auf Österreich ist das Wissen über eigenentwickelte Softwaresysteme gering</a:t>
+            </a:r>
+          </a:p>
+          <a:p>
+            <a:pPr marL="0" indent="0">
               <a:buNone/>
             </a:pPr>
             <a:endParaRPr lang="de-AT" sz="2000" kern="0" dirty="0">
@@ -11719,7 +11875,7 @@
             </a:endParaRPr>
           </a:p>
           <a:p>
-            <a:pPr marL="0" indent="0" algn="just">
+            <a:pPr marL="0" indent="0">
               <a:buFontTx/>
               <a:buNone/>
             </a:pPr>
@@ -11734,7 +11890,7 @@
             </a:endParaRPr>
           </a:p>
           <a:p>
-            <a:pPr algn="just">
+            <a:pPr>
               <a:buFont typeface="Wingdings" panose="05000000000000000000" pitchFamily="2" charset="2"/>
               <a:buChar char="Ø"/>
             </a:pPr>
@@ -11749,7 +11905,7 @@
             </a:endParaRPr>
           </a:p>
           <a:p>
-            <a:pPr algn="just">
+            <a:pPr>
               <a:buFont typeface="Wingdings" panose="05000000000000000000" pitchFamily="2" charset="2"/>
               <a:buChar char="Ø"/>
             </a:pPr>
@@ -11757,11 +11913,11 @@
               <a:rPr lang="de-DE" sz="3200" kern="0" dirty="0">
                 <a:effectLst/>
               </a:rPr>
-              <a:t>Damit den Status Quo hinsichtlich eigenentwickelten Softwarelösungen in den 1000 wichtigsten Unternehmen in Österreich zu ermitteln.</a:t>
-            </a:r>
-          </a:p>
-          <a:p>
-            <a:pPr marL="0" indent="0" algn="just">
+              <a:t>Den Status Quo hinsichtlich eigenentwickelten Softwarelösungen in den 1000 wichtigsten Unternehmen in Österreich zu ermitteln.</a:t>
+            </a:r>
+          </a:p>
+          <a:p>
+            <a:pPr marL="0" indent="0">
               <a:buNone/>
             </a:pPr>
             <a:endParaRPr lang="de-AT" sz="2000" b="1" kern="0" dirty="0">
@@ -11769,7 +11925,7 @@
             </a:endParaRPr>
           </a:p>
           <a:p>
-            <a:pPr marL="0" indent="0" algn="just">
+            <a:pPr marL="0" indent="0">
               <a:buFontTx/>
               <a:buNone/>
             </a:pPr>
@@ -11781,7 +11937,19 @@
             </a:r>
           </a:p>
           <a:p>
-            <a:pPr marL="0" indent="0" algn="just">
+            <a:pPr marL="0" indent="0">
+              <a:buFontTx/>
+              <a:buNone/>
+            </a:pPr>
+            <a:r>
+              <a:rPr lang="de-AT" sz="3200" b="1" i="1" kern="0" dirty="0">
+                <a:effectLst/>
+              </a:rPr>
+              <a:t>Anhand von Action-Research</a:t>
+            </a:r>
+          </a:p>
+          <a:p>
+            <a:pPr marL="0" indent="0">
               <a:buFontTx/>
               <a:buNone/>
             </a:pPr>
@@ -11790,7 +11958,7 @@
             </a:endParaRPr>
           </a:p>
           <a:p>
-            <a:pPr algn="just">
+            <a:pPr>
               <a:buFont typeface="Wingdings" panose="05000000000000000000" pitchFamily="2" charset="2"/>
               <a:buChar char="Ø"/>
             </a:pPr>
@@ -11817,29 +11985,29 @@
             </a:endParaRPr>
           </a:p>
           <a:p>
-            <a:pPr marL="0" indent="0" algn="just">
+            <a:pPr marL="0" indent="0">
               <a:buNone/>
             </a:pPr>
             <a:r>
               <a:rPr lang="de-AT" sz="3200" kern="0" dirty="0">
                 <a:effectLst/>
               </a:rPr>
-              <a:t>           - Programmiersprache, Architektur, Modelle </a:t>
-            </a:r>
-          </a:p>
-          <a:p>
-            <a:pPr marL="0" indent="0" algn="just">
+              <a:t>           - Programmiersprache, Architekturmodelle </a:t>
+            </a:r>
+          </a:p>
+          <a:p>
+            <a:pPr marL="0" indent="0">
               <a:buNone/>
             </a:pPr>
             <a:r>
               <a:rPr lang="de-AT" sz="3200" kern="0" dirty="0">
                 <a:effectLst/>
               </a:rPr>
-              <a:t>           - Bewertbarkeit von Software (Umfang, Kosten, Schnittstellen usw.)</a:t>
-            </a:r>
-          </a:p>
-          <a:p>
-            <a:pPr marL="0" indent="0" algn="just">
+              <a:t>           - Bewertbarkeit von Software (Umfang, Kosten, Schnittstellen, Relevanz, etc.)</a:t>
+            </a:r>
+          </a:p>
+          <a:p>
+            <a:pPr marL="0" indent="0">
               <a:buNone/>
             </a:pPr>
             <a:r>
@@ -11850,29 +12018,41 @@
             </a:r>
           </a:p>
           <a:p>
-            <a:pPr marL="0" indent="0" algn="just">
+            <a:pPr marL="0" indent="0">
               <a:buNone/>
             </a:pPr>
             <a:r>
               <a:rPr lang="de-AT" sz="3200" kern="0" dirty="0">
                 <a:effectLst/>
               </a:rPr>
-              <a:t>           - Fragebogenentwicklung und Ergebungsarten</a:t>
-            </a:r>
-          </a:p>
-          <a:p>
-            <a:pPr marL="0" indent="0" algn="just">
-              <a:buNone/>
-            </a:pPr>
+              <a:t>           - Fragebogenentwicklung und Ergebungsarten (CAPI, CATI, Paper and </a:t>
+            </a:r>
+            <a:r>
+              <a:rPr lang="de-AT" sz="3200" kern="0" dirty="0" err="1">
+                <a:effectLst/>
+              </a:rPr>
+              <a:t>Pencil</a:t>
+            </a:r>
             <a:r>
               <a:rPr lang="de-AT" sz="3200" kern="0" dirty="0">
                 <a:effectLst/>
               </a:rPr>
-              <a:t>           - Identifizierung der TOP 1000 Unternehmen in Österreich und Kategorisierung nach Geschäftsbereichen </a:t>
-            </a:r>
-          </a:p>
-          <a:p>
-            <a:pPr algn="just">
+              <a:t>)</a:t>
+            </a:r>
+          </a:p>
+          <a:p>
+            <a:pPr marL="0" indent="0">
+              <a:buNone/>
+            </a:pPr>
+            <a:r>
+              <a:rPr lang="de-AT" sz="3200" kern="0" dirty="0">
+                <a:effectLst/>
+              </a:rPr>
+              <a:t>           - Identifikation der TOP 1000 Unternehmen in Österreich und Kategorisierung nach Geschäftsbereichen </a:t>
+            </a:r>
+          </a:p>
+          <a:p>
+            <a:pPr>
               <a:buFont typeface="Wingdings" panose="05000000000000000000" pitchFamily="2" charset="2"/>
               <a:buChar char="Ø"/>
             </a:pPr>
@@ -11880,11 +12060,11 @@
               <a:rPr lang="de-AT" sz="3200" b="1" kern="0" dirty="0">
                 <a:effectLst/>
               </a:rPr>
-              <a:t> Erstellung des Fragebogens</a:t>
-            </a:r>
-          </a:p>
-          <a:p>
-            <a:pPr marL="0" indent="0" algn="just">
+              <a:t> Erstellung des Erhebungsinstruments (Fragebogen)</a:t>
+            </a:r>
+          </a:p>
+          <a:p>
+            <a:pPr marL="0" indent="0">
               <a:buNone/>
             </a:pPr>
             <a:r>
@@ -11901,7 +12081,7 @@
             </a:r>
           </a:p>
           <a:p>
-            <a:pPr marL="0" indent="0" algn="just">
+            <a:pPr marL="0" indent="0">
               <a:buNone/>
             </a:pPr>
             <a:r>
@@ -11912,7 +12092,7 @@
             </a:r>
           </a:p>
           <a:p>
-            <a:pPr marL="0" indent="0" algn="just">
+            <a:pPr marL="0" indent="0">
               <a:buNone/>
             </a:pPr>
             <a:r>
@@ -11923,7 +12103,7 @@
             </a:r>
           </a:p>
           <a:p>
-            <a:pPr algn="just">
+            <a:pPr>
               <a:buFont typeface="Wingdings" panose="05000000000000000000" pitchFamily="2" charset="2"/>
               <a:buChar char="Ø"/>
             </a:pPr>
@@ -11935,7 +12115,7 @@
             </a:r>
           </a:p>
           <a:p>
-            <a:pPr marL="0" indent="0" algn="just">
+            <a:pPr marL="0" indent="0">
               <a:buNone/>
             </a:pPr>
             <a:r>
@@ -11948,11 +12128,11 @@
               <a:rPr lang="de-AT" sz="3200" kern="0" dirty="0">
                 <a:effectLst/>
               </a:rPr>
-              <a:t>Erhebung von Echtdaten</a:t>
-            </a:r>
-          </a:p>
-          <a:p>
-            <a:pPr marL="0" indent="0" algn="just">
+              <a:t>Erhebung von Echtdaten anhand verschiedener Erhebungsarten (CAPI &amp; CATI)</a:t>
+            </a:r>
+          </a:p>
+          <a:p>
+            <a:pPr marL="0" indent="0">
               <a:buNone/>
             </a:pPr>
             <a:r>
@@ -11963,7 +12143,7 @@
             </a:r>
           </a:p>
           <a:p>
-            <a:pPr marL="0" indent="0" algn="just">
+            <a:pPr marL="0" indent="0">
               <a:buNone/>
             </a:pPr>
             <a:r>
@@ -11974,7 +12154,7 @@
             </a:r>
           </a:p>
           <a:p>
-            <a:pPr marL="0" indent="0" algn="just">
+            <a:pPr marL="0" indent="0">
               <a:buNone/>
             </a:pPr>
             <a:endParaRPr lang="de-AT" sz="2000" kern="0" dirty="0">
@@ -11982,7 +12162,7 @@
             </a:endParaRPr>
           </a:p>
           <a:p>
-            <a:pPr marL="0" indent="0" algn="just">
+            <a:pPr marL="0" indent="0">
               <a:buFontTx/>
               <a:buNone/>
             </a:pPr>
@@ -11994,7 +12174,7 @@
             </a:r>
           </a:p>
           <a:p>
-            <a:pPr algn="just">
+            <a:pPr>
               <a:buFont typeface="Wingdings" panose="05000000000000000000" pitchFamily="2" charset="2"/>
               <a:buChar char="Ø"/>
             </a:pPr>
@@ -12002,11 +12182,11 @@
               <a:rPr lang="de-AT" sz="3200" kern="0" dirty="0">
                 <a:effectLst/>
               </a:rPr>
-              <a:t>Fertiges Erhebungsinstrument (Fragenbogen)</a:t>
-            </a:r>
-          </a:p>
-          <a:p>
-            <a:pPr algn="just">
+              <a:t>Entwickeltes Erhebungsinstrument (Fragenbogen)</a:t>
+            </a:r>
+          </a:p>
+          <a:p>
+            <a:pPr>
               <a:buFont typeface="Wingdings" panose="05000000000000000000" pitchFamily="2" charset="2"/>
               <a:buChar char="Ø"/>
             </a:pPr>
@@ -12014,7 +12194,7 @@
               <a:rPr lang="de-AT" sz="3200" kern="0" dirty="0">
                 <a:effectLst/>
               </a:rPr>
-              <a:t>Fertige Analysestrategie</a:t>
+              <a:t>Evaluierte Analysestrategie zur Auswertung</a:t>
             </a:r>
             <a:endParaRPr lang="de-DE" sz="3000" kern="0" dirty="0">
               <a:effectLst/>
@@ -12036,8 +12216,8 @@
         </p:nvSpPr>
         <p:spPr>
           <a:xfrm>
-            <a:off x="5327776" y="514801"/>
-            <a:ext cx="28731192" cy="2046714"/>
+            <a:off x="1072607" y="663998"/>
+            <a:ext cx="28731192" cy="1723549"/>
           </a:xfrm>
           <a:prstGeom prst="rect">
             <a:avLst/>
@@ -12051,7 +12231,7 @@
           <a:lstStyle/>
           <a:p>
             <a:r>
-              <a:rPr lang="de-DE" sz="12700" dirty="0">
+              <a:rPr lang="de-DE" sz="10600" b="1" dirty="0">
                 <a:effectLst/>
               </a:rPr>
               <a:t>Software-Eigenentwicklungen in Österreich</a:t>
@@ -12072,7 +12252,7 @@
           <p:nvPr/>
         </p:nvPicPr>
         <p:blipFill>
-          <a:blip r:embed="rId2">
+          <a:blip r:embed="rId3">
             <a:extLst>
               <a:ext uri="{28A0092B-C50C-407E-A947-70E740481C1C}">
                 <a14:useLocalDpi xmlns:a14="http://schemas.microsoft.com/office/drawing/2010/main" val="0"/>
@@ -12085,8 +12265,8 @@
         </p:blipFill>
         <p:spPr bwMode="auto">
           <a:xfrm>
-            <a:off x="35067080" y="303958"/>
-            <a:ext cx="6336704" cy="3101525"/>
+            <a:off x="34655570" y="27260"/>
+            <a:ext cx="6754911" cy="3746118"/>
           </a:xfrm>
           <a:prstGeom prst="rect">
             <a:avLst/>
@@ -12108,7 +12288,7 @@
           <p:nvPr>
             <p:extLst>
               <p:ext uri="{D42A27DB-BD31-4B8C-83A1-F6EECF244321}">
-                <p14:modId xmlns:p14="http://schemas.microsoft.com/office/powerpoint/2010/main" val="871298590"/>
+                <p14:modId xmlns:p14="http://schemas.microsoft.com/office/powerpoint/2010/main" val="3680641975"/>
               </p:ext>
             </p:extLst>
           </p:nvPr>
@@ -12119,207 +12299,10 @@
         </p:xfrm>
         <a:graphic>
           <a:graphicData uri="http://schemas.openxmlformats.org/drawingml/2006/diagram">
-            <dgm:relIds xmlns:dgm="http://schemas.openxmlformats.org/drawingml/2006/diagram" xmlns:r="http://schemas.openxmlformats.org/officeDocument/2006/relationships" r:dm="rId3" r:lo="rId4" r:qs="rId5" r:cs="rId6"/>
+            <dgm:relIds xmlns:dgm="http://schemas.openxmlformats.org/drawingml/2006/diagram" xmlns:r="http://schemas.openxmlformats.org/officeDocument/2006/relationships" r:dm="rId4" r:lo="rId5" r:qs="rId6" r:cs="rId7"/>
           </a:graphicData>
         </a:graphic>
       </p:graphicFrame>
-      <p:grpSp>
-        <p:nvGrpSpPr>
-          <p:cNvPr id="41" name="Diagram group">
-            <a:extLst>
-              <a:ext uri="{FF2B5EF4-FFF2-40B4-BE49-F238E27FC236}">
-                <a16:creationId xmlns:a16="http://schemas.microsoft.com/office/drawing/2014/main" id="{8B997F63-6082-45D4-922F-6FFC612FDAE9}"/>
-              </a:ext>
-            </a:extLst>
-          </p:cNvPr>
-          <p:cNvGrpSpPr/>
-          <p:nvPr/>
-        </p:nvGrpSpPr>
-        <p:grpSpPr>
-          <a:xfrm rot="10800000">
-            <a:off x="9338640" y="23062735"/>
-            <a:ext cx="2541863" cy="864096"/>
-            <a:chOff x="15769964" y="100110"/>
-            <a:chExt cx="2027010" cy="1436842"/>
-          </a:xfrm>
-          <a:scene3d>
-            <a:camera prst="orthographicFront">
-              <a:rot lat="0" lon="0" rev="0"/>
-            </a:camera>
-            <a:lightRig rig="balanced" dir="t">
-              <a:rot lat="0" lon="0" rev="8700000"/>
-            </a:lightRig>
-          </a:scene3d>
-        </p:grpSpPr>
-        <p:grpSp>
-          <p:nvGrpSpPr>
-            <p:cNvPr id="42" name="Gruppieren 41">
-              <a:extLst>
-                <a:ext uri="{FF2B5EF4-FFF2-40B4-BE49-F238E27FC236}">
-                  <a16:creationId xmlns:a16="http://schemas.microsoft.com/office/drawing/2014/main" id="{F5EF21DC-119D-4497-8E2F-7086AF53385F}"/>
-                </a:ext>
-              </a:extLst>
-            </p:cNvPr>
-            <p:cNvGrpSpPr/>
-            <p:nvPr/>
-          </p:nvGrpSpPr>
-          <p:grpSpPr>
-            <a:xfrm>
-              <a:off x="15769964" y="100110"/>
-              <a:ext cx="2027010" cy="1436842"/>
-              <a:chOff x="15769964" y="100110"/>
-              <a:chExt cx="2027010" cy="1436842"/>
-            </a:xfrm>
-            <a:scene3d>
-              <a:camera prst="orthographicFront">
-                <a:rot lat="0" lon="0" rev="0"/>
-              </a:camera>
-              <a:lightRig rig="balanced" dir="t">
-                <a:rot lat="0" lon="0" rev="8700000"/>
-              </a:lightRig>
-            </a:scene3d>
-          </p:grpSpPr>
-          <p:sp>
-            <p:nvSpPr>
-              <p:cNvPr id="43" name="Pfeil: nach rechts 42">
-                <a:extLst>
-                  <a:ext uri="{FF2B5EF4-FFF2-40B4-BE49-F238E27FC236}">
-                    <a16:creationId xmlns:a16="http://schemas.microsoft.com/office/drawing/2014/main" id="{3AB3A87A-1D29-4509-A87A-1EC30922FB7F}"/>
-                  </a:ext>
-                </a:extLst>
-              </p:cNvPr>
-              <p:cNvSpPr/>
-              <p:nvPr/>
-            </p:nvSpPr>
-            <p:spPr>
-              <a:xfrm>
-                <a:off x="15942226" y="100110"/>
-                <a:ext cx="1854748" cy="1436842"/>
-              </a:xfrm>
-              <a:prstGeom prst="rightArrow">
-                <a:avLst>
-                  <a:gd name="adj1" fmla="val 60000"/>
-                  <a:gd name="adj2" fmla="val 50000"/>
-                </a:avLst>
-              </a:prstGeom>
-              <a:sp3d z="-182000" contourW="19050" prstMaterial="metal">
-                <a:bevelT w="88900" h="203200"/>
-                <a:bevelB w="165100" h="254000"/>
-              </a:sp3d>
-            </p:spPr>
-            <p:style>
-              <a:lnRef idx="0">
-                <a:schemeClr val="accent1">
-                  <a:tint val="60000"/>
-                  <a:hueOff val="0"/>
-                  <a:satOff val="0"/>
-                  <a:lumOff val="0"/>
-                  <a:alphaOff val="0"/>
-                </a:schemeClr>
-              </a:lnRef>
-              <a:fillRef idx="1">
-                <a:schemeClr val="accent1">
-                  <a:tint val="60000"/>
-                  <a:hueOff val="0"/>
-                  <a:satOff val="0"/>
-                  <a:lumOff val="0"/>
-                  <a:alphaOff val="0"/>
-                </a:schemeClr>
-              </a:fillRef>
-              <a:effectRef idx="0">
-                <a:schemeClr val="accent1">
-                  <a:tint val="60000"/>
-                  <a:hueOff val="0"/>
-                  <a:satOff val="0"/>
-                  <a:lumOff val="0"/>
-                  <a:alphaOff val="0"/>
-                </a:schemeClr>
-              </a:effectRef>
-              <a:fontRef idx="minor">
-                <a:schemeClr val="lt1"/>
-              </a:fontRef>
-            </p:style>
-          </p:sp>
-          <p:sp>
-            <p:nvSpPr>
-              <p:cNvPr id="44" name="Pfeil: nach rechts 4">
-                <a:extLst>
-                  <a:ext uri="{FF2B5EF4-FFF2-40B4-BE49-F238E27FC236}">
-                    <a16:creationId xmlns:a16="http://schemas.microsoft.com/office/drawing/2014/main" id="{7163E2B0-95CF-4D1C-A0DD-06FA6FBABC55}"/>
-                  </a:ext>
-                </a:extLst>
-              </p:cNvPr>
-              <p:cNvSpPr txBox="1"/>
-              <p:nvPr/>
-            </p:nvSpPr>
-            <p:spPr>
-              <a:xfrm rot="10800000">
-                <a:off x="15769964" y="387476"/>
-                <a:ext cx="2027010" cy="862108"/>
-              </a:xfrm>
-              <a:prstGeom prst="rect">
-                <a:avLst/>
-              </a:prstGeom>
-              <a:sp3d z="-182000"/>
-            </p:spPr>
-            <p:style>
-              <a:lnRef idx="0">
-                <a:scrgbClr r="0" g="0" b="0"/>
-              </a:lnRef>
-              <a:fillRef idx="0">
-                <a:scrgbClr r="0" g="0" b="0"/>
-              </a:fillRef>
-              <a:effectRef idx="0">
-                <a:scrgbClr r="0" g="0" b="0"/>
-              </a:effectRef>
-              <a:fontRef idx="minor">
-                <a:schemeClr val="lt1"/>
-              </a:fontRef>
-            </p:style>
-            <p:txBody>
-              <a:bodyPr spcFirstLastPara="0" vert="horz" wrap="square" lIns="0" tIns="0" rIns="0" bIns="0" numCol="1" spcCol="1270" anchor="ctr" anchorCtr="0">
-                <a:noAutofit/>
-              </a:bodyPr>
-              <a:lstStyle/>
-              <a:p>
-                <a:pPr marL="0" lvl="0" indent="0" algn="ctr" defTabSz="1466850">
-                  <a:lnSpc>
-                    <a:spcPct val="90000"/>
-                  </a:lnSpc>
-                  <a:spcBef>
-                    <a:spcPct val="0"/>
-                  </a:spcBef>
-                  <a:spcAft>
-                    <a:spcPct val="35000"/>
-                  </a:spcAft>
-                  <a:buNone/>
-                </a:pPr>
-                <a:r>
-                  <a:rPr lang="de-DE" sz="2000" kern="1200" dirty="0">
-                    <a:solidFill>
-                      <a:schemeClr val="tx1"/>
-                    </a:solidFill>
-                  </a:rPr>
-                  <a:t>A</a:t>
-                </a:r>
-                <a:r>
-                  <a:rPr lang="de-DE" sz="2000" dirty="0">
-                    <a:solidFill>
-                      <a:schemeClr val="tx1"/>
-                    </a:solidFill>
-                  </a:rPr>
-                  <a:t>ctionresearch</a:t>
-                </a:r>
-                <a:endParaRPr lang="de-DE" sz="2000" kern="1200" dirty="0">
-                  <a:solidFill>
-                    <a:schemeClr val="tx1"/>
-                  </a:solidFill>
-                </a:endParaRPr>
-              </a:p>
-            </p:txBody>
-          </p:sp>
-        </p:grpSp>
-      </p:grpSp>
       <p:grpSp>
         <p:nvGrpSpPr>
           <p:cNvPr id="45" name="Diagram group">
@@ -12334,7 +12317,7 @@
         </p:nvGrpSpPr>
         <p:grpSpPr>
           <a:xfrm rot="10800000">
-            <a:off x="19297328" y="23062735"/>
+            <a:off x="19372958" y="23202502"/>
             <a:ext cx="2325848" cy="864096"/>
             <a:chOff x="15942226" y="100110"/>
             <a:chExt cx="1854748" cy="1436842"/>
@@ -12399,43 +12382,26 @@
                   <a:gd name="adj2" fmla="val 50000"/>
                 </a:avLst>
               </a:prstGeom>
+              <a:solidFill>
+                <a:srgbClr val="9F9FCF"/>
+              </a:solidFill>
+              <a:ln>
+                <a:noFill/>
+              </a:ln>
+              <a:effectLst/>
+              <a:scene3d>
+                <a:camera prst="orthographicFront">
+                  <a:rot lat="0" lon="0" rev="0"/>
+                </a:camera>
+                <a:lightRig rig="contrasting" dir="t">
+                  <a:rot lat="0" lon="0" rev="1200000"/>
+                </a:lightRig>
+              </a:scene3d>
               <a:sp3d z="-182000" contourW="19050" prstMaterial="metal">
                 <a:bevelT w="88900" h="203200"/>
                 <a:bevelB w="165100" h="254000"/>
               </a:sp3d>
             </p:spPr>
-            <p:style>
-              <a:lnRef idx="0">
-                <a:schemeClr val="accent1">
-                  <a:tint val="60000"/>
-                  <a:hueOff val="0"/>
-                  <a:satOff val="0"/>
-                  <a:lumOff val="0"/>
-                  <a:alphaOff val="0"/>
-                </a:schemeClr>
-              </a:lnRef>
-              <a:fillRef idx="1">
-                <a:schemeClr val="accent1">
-                  <a:tint val="60000"/>
-                  <a:hueOff val="0"/>
-                  <a:satOff val="0"/>
-                  <a:lumOff val="0"/>
-                  <a:alphaOff val="0"/>
-                </a:schemeClr>
-              </a:fillRef>
-              <a:effectRef idx="0">
-                <a:schemeClr val="accent1">
-                  <a:tint val="60000"/>
-                  <a:hueOff val="0"/>
-                  <a:satOff val="0"/>
-                  <a:lumOff val="0"/>
-                  <a:alphaOff val="0"/>
-                </a:schemeClr>
-              </a:effectRef>
-              <a:fontRef idx="minor">
-                <a:schemeClr val="lt1"/>
-              </a:fontRef>
-            </p:style>
           </p:sp>
           <p:sp>
             <p:nvSpPr>
@@ -12457,218 +12423,49 @@
               <a:prstGeom prst="rect">
                 <a:avLst/>
               </a:prstGeom>
-              <a:sp3d z="-182000"/>
-            </p:spPr>
-            <p:style>
-              <a:lnRef idx="0">
-                <a:scrgbClr r="0" g="0" b="0"/>
-              </a:lnRef>
-              <a:fillRef idx="0">
-                <a:scrgbClr r="0" g="0" b="0"/>
-              </a:fillRef>
-              <a:effectRef idx="0">
-                <a:scrgbClr r="0" g="0" b="0"/>
-              </a:effectRef>
-              <a:fontRef idx="minor">
-                <a:schemeClr val="lt1"/>
-              </a:fontRef>
-            </p:style>
-            <p:txBody>
-              <a:bodyPr spcFirstLastPara="0" vert="horz" wrap="square" lIns="0" tIns="0" rIns="0" bIns="0" numCol="1" spcCol="1270" anchor="ctr" anchorCtr="0">
-                <a:noAutofit/>
-              </a:bodyPr>
-              <a:lstStyle/>
-              <a:p>
-                <a:pPr marL="0" lvl="0" indent="0" algn="ctr" defTabSz="1466850">
-                  <a:lnSpc>
-                    <a:spcPct val="90000"/>
-                  </a:lnSpc>
-                  <a:spcBef>
-                    <a:spcPct val="0"/>
-                  </a:spcBef>
-                  <a:spcAft>
-                    <a:spcPct val="35000"/>
-                  </a:spcAft>
-                  <a:buNone/>
-                </a:pPr>
-                <a:endParaRPr lang="de-DE" sz="3300" kern="1200"/>
-              </a:p>
-            </p:txBody>
-          </p:sp>
-        </p:grpSp>
-      </p:grpSp>
-      <p:grpSp>
-        <p:nvGrpSpPr>
-          <p:cNvPr id="49" name="Diagram group">
-            <a:extLst>
-              <a:ext uri="{FF2B5EF4-FFF2-40B4-BE49-F238E27FC236}">
-                <a16:creationId xmlns:a16="http://schemas.microsoft.com/office/drawing/2014/main" id="{84694ABC-C57D-407F-BF35-0AE7ABFD80BC}"/>
-              </a:ext>
-            </a:extLst>
-          </p:cNvPr>
-          <p:cNvGrpSpPr/>
-          <p:nvPr/>
-        </p:nvGrpSpPr>
-        <p:grpSpPr>
-          <a:xfrm rot="10800000">
-            <a:off x="29162424" y="23134743"/>
-            <a:ext cx="2325848" cy="864096"/>
-            <a:chOff x="15942226" y="100110"/>
-            <a:chExt cx="1854748" cy="1436842"/>
-          </a:xfrm>
-          <a:scene3d>
-            <a:camera prst="orthographicFront">
-              <a:rot lat="0" lon="0" rev="0"/>
-            </a:camera>
-            <a:lightRig rig="balanced" dir="t">
-              <a:rot lat="0" lon="0" rev="8700000"/>
-            </a:lightRig>
-          </a:scene3d>
-        </p:grpSpPr>
-        <p:grpSp>
-          <p:nvGrpSpPr>
-            <p:cNvPr id="50" name="Gruppieren 49">
-              <a:extLst>
-                <a:ext uri="{FF2B5EF4-FFF2-40B4-BE49-F238E27FC236}">
-                  <a16:creationId xmlns:a16="http://schemas.microsoft.com/office/drawing/2014/main" id="{5CE2661B-66DA-4352-8B24-FD03CD1C9A8D}"/>
-                </a:ext>
-              </a:extLst>
-            </p:cNvPr>
-            <p:cNvGrpSpPr/>
-            <p:nvPr/>
-          </p:nvGrpSpPr>
-          <p:grpSpPr>
-            <a:xfrm>
-              <a:off x="15942226" y="100110"/>
-              <a:ext cx="1854748" cy="1436842"/>
-              <a:chOff x="15942226" y="100110"/>
-              <a:chExt cx="1854748" cy="1436842"/>
-            </a:xfrm>
-            <a:scene3d>
-              <a:camera prst="orthographicFront">
-                <a:rot lat="0" lon="0" rev="0"/>
-              </a:camera>
-              <a:lightRig rig="balanced" dir="t">
-                <a:rot lat="0" lon="0" rev="8700000"/>
-              </a:lightRig>
-            </a:scene3d>
-          </p:grpSpPr>
-          <p:sp>
-            <p:nvSpPr>
-              <p:cNvPr id="51" name="Pfeil: nach rechts 50">
-                <a:extLst>
-                  <a:ext uri="{FF2B5EF4-FFF2-40B4-BE49-F238E27FC236}">
-                    <a16:creationId xmlns:a16="http://schemas.microsoft.com/office/drawing/2014/main" id="{28A6AE29-664E-4460-AA06-EE0CB99913B8}"/>
-                  </a:ext>
-                </a:extLst>
-              </p:cNvPr>
-              <p:cNvSpPr/>
-              <p:nvPr/>
-            </p:nvSpPr>
-            <p:spPr>
-              <a:xfrm>
-                <a:off x="15942226" y="100110"/>
-                <a:ext cx="1854748" cy="1436842"/>
-              </a:xfrm>
-              <a:prstGeom prst="rightArrow">
-                <a:avLst>
-                  <a:gd name="adj1" fmla="val 60000"/>
-                  <a:gd name="adj2" fmla="val 50000"/>
-                </a:avLst>
-              </a:prstGeom>
+              <a:solidFill>
+                <a:srgbClr val="9F9FCF"/>
+              </a:solidFill>
+              <a:ln>
+                <a:noFill/>
+              </a:ln>
+              <a:effectLst/>
+              <a:scene3d>
+                <a:camera prst="orthographicFront">
+                  <a:rot lat="0" lon="0" rev="0"/>
+                </a:camera>
+                <a:lightRig rig="contrasting" dir="t">
+                  <a:rot lat="0" lon="0" rev="1200000"/>
+                </a:lightRig>
+              </a:scene3d>
               <a:sp3d z="-182000" contourW="19050" prstMaterial="metal">
                 <a:bevelT w="88900" h="203200"/>
                 <a:bevelB w="165100" h="254000"/>
               </a:sp3d>
             </p:spPr>
-            <p:style>
-              <a:lnRef idx="0">
-                <a:schemeClr val="accent1">
-                  <a:tint val="60000"/>
-                  <a:hueOff val="0"/>
-                  <a:satOff val="0"/>
-                  <a:lumOff val="0"/>
-                  <a:alphaOff val="0"/>
-                </a:schemeClr>
-              </a:lnRef>
-              <a:fillRef idx="1">
-                <a:schemeClr val="accent1">
-                  <a:tint val="60000"/>
-                  <a:hueOff val="0"/>
-                  <a:satOff val="0"/>
-                  <a:lumOff val="0"/>
-                  <a:alphaOff val="0"/>
-                </a:schemeClr>
-              </a:fillRef>
-              <a:effectRef idx="0">
-                <a:schemeClr val="accent1">
-                  <a:tint val="60000"/>
-                  <a:hueOff val="0"/>
-                  <a:satOff val="0"/>
-                  <a:lumOff val="0"/>
-                  <a:alphaOff val="0"/>
-                </a:schemeClr>
-              </a:effectRef>
-              <a:fontRef idx="minor">
-                <a:schemeClr val="lt1"/>
-              </a:fontRef>
-            </p:style>
-          </p:sp>
-          <p:sp>
-            <p:nvSpPr>
-              <p:cNvPr id="52" name="Pfeil: nach rechts 4">
-                <a:extLst>
-                  <a:ext uri="{FF2B5EF4-FFF2-40B4-BE49-F238E27FC236}">
-                    <a16:creationId xmlns:a16="http://schemas.microsoft.com/office/drawing/2014/main" id="{4ECB11CB-B292-4D58-862D-4D36CA64A0E6}"/>
-                  </a:ext>
-                </a:extLst>
-              </p:cNvPr>
-              <p:cNvSpPr txBox="1"/>
-              <p:nvPr/>
-            </p:nvSpPr>
-            <p:spPr>
-              <a:xfrm>
-                <a:off x="15942226" y="387478"/>
-                <a:ext cx="1423695" cy="862106"/>
-              </a:xfrm>
-              <a:prstGeom prst="rect">
-                <a:avLst/>
-              </a:prstGeom>
-              <a:sp3d z="-182000"/>
-            </p:spPr>
-            <p:style>
-              <a:lnRef idx="0">
-                <a:scrgbClr r="0" g="0" b="0"/>
-              </a:lnRef>
-              <a:fillRef idx="0">
-                <a:scrgbClr r="0" g="0" b="0"/>
-              </a:fillRef>
-              <a:effectRef idx="0">
-                <a:scrgbClr r="0" g="0" b="0"/>
-              </a:effectRef>
-              <a:fontRef idx="minor">
-                <a:schemeClr val="lt1"/>
-              </a:fontRef>
-            </p:style>
             <p:txBody>
               <a:bodyPr spcFirstLastPara="0" vert="horz" wrap="square" lIns="0" tIns="0" rIns="0" bIns="0" numCol="1" spcCol="1270" anchor="ctr" anchorCtr="0">
                 <a:noAutofit/>
               </a:bodyPr>
-              <a:lstStyle/>
-              <a:p>
-                <a:pPr marL="0" lvl="0" indent="0" algn="ctr" defTabSz="1466850">
+              <a:lstStyle>
+                <a:lvl1pPr marL="0" lvl="0" indent="0" algn="ctr" defTabSz="1333500">
                   <a:lnSpc>
                     <a:spcPct val="90000"/>
                   </a:lnSpc>
-                  <a:spcBef>
-                    <a:spcPct val="0"/>
-                  </a:spcBef>
                   <a:spcAft>
                     <a:spcPct val="35000"/>
                   </a:spcAft>
                   <a:buNone/>
-                </a:pPr>
-                <a:endParaRPr lang="de-DE" sz="3300" kern="1200"/>
+                  <a:defRPr sz="3000">
+                    <a:solidFill>
+                      <a:srgbClr val="FFFFFF"/>
+                    </a:solidFill>
+                    <a:latin typeface="Times New Roman"/>
+                  </a:defRPr>
+                </a:lvl1pPr>
+              </a:lstStyle>
+              <a:p>
+                <a:endParaRPr lang="de-DE"/>
               </a:p>
             </p:txBody>
           </p:sp>
@@ -12688,7 +12485,7 @@
         </p:nvSpPr>
         <p:spPr>
           <a:xfrm>
-            <a:off x="19344131" y="23235553"/>
+            <a:off x="19419761" y="23375320"/>
             <a:ext cx="2541863" cy="518459"/>
           </a:xfrm>
           <a:prstGeom prst="rect">
@@ -12724,119 +12521,21 @@
           </a:bodyPr>
           <a:lstStyle/>
           <a:p>
-            <a:pPr marL="0" lvl="0" indent="0" algn="ctr" defTabSz="1466850">
+            <a:pPr lvl="0" algn="ctr" defTabSz="1466850">
               <a:lnSpc>
                 <a:spcPct val="90000"/>
               </a:lnSpc>
-              <a:spcBef>
-                <a:spcPct val="0"/>
-              </a:spcBef>
               <a:spcAft>
                 <a:spcPct val="35000"/>
               </a:spcAft>
-              <a:buNone/>
             </a:pPr>
-            <a:r>
-              <a:rPr lang="de-DE" sz="2000" kern="1200" dirty="0">
-                <a:solidFill>
-                  <a:schemeClr val="tx1"/>
-                </a:solidFill>
-              </a:rPr>
-              <a:t>A</a:t>
-            </a:r>
             <a:r>
               <a:rPr lang="de-DE" sz="2000" dirty="0">
                 <a:solidFill>
                   <a:schemeClr val="tx1"/>
                 </a:solidFill>
               </a:rPr>
-              <a:t>ctionresearch</a:t>
-            </a:r>
-            <a:endParaRPr lang="de-DE" sz="2000" kern="1200" dirty="0">
-              <a:solidFill>
-                <a:schemeClr val="tx1"/>
-              </a:solidFill>
-            </a:endParaRPr>
-          </a:p>
-        </p:txBody>
-      </p:sp>
-      <p:sp>
-        <p:nvSpPr>
-          <p:cNvPr id="54" name="Pfeil: nach rechts 4">
-            <a:extLst>
-              <a:ext uri="{FF2B5EF4-FFF2-40B4-BE49-F238E27FC236}">
-                <a16:creationId xmlns:a16="http://schemas.microsoft.com/office/drawing/2014/main" id="{74E6F244-DFC9-4707-9F7C-FBAB318D05F7}"/>
-              </a:ext>
-            </a:extLst>
-          </p:cNvPr>
-          <p:cNvSpPr txBox="1"/>
-          <p:nvPr/>
-        </p:nvSpPr>
-        <p:spPr>
-          <a:xfrm>
-            <a:off x="29162423" y="23307561"/>
-            <a:ext cx="2541863" cy="518459"/>
-          </a:xfrm>
-          <a:prstGeom prst="rect">
-            <a:avLst/>
-          </a:prstGeom>
-          <a:scene3d>
-            <a:camera prst="orthographicFront">
-              <a:rot lat="0" lon="0" rev="0"/>
-            </a:camera>
-            <a:lightRig rig="balanced" dir="t">
-              <a:rot lat="0" lon="0" rev="8700000"/>
-            </a:lightRig>
-          </a:scene3d>
-          <a:sp3d z="-182000"/>
-        </p:spPr>
-        <p:style>
-          <a:lnRef idx="0">
-            <a:scrgbClr r="0" g="0" b="0"/>
-          </a:lnRef>
-          <a:fillRef idx="0">
-            <a:scrgbClr r="0" g="0" b="0"/>
-          </a:fillRef>
-          <a:effectRef idx="0">
-            <a:scrgbClr r="0" g="0" b="0"/>
-          </a:effectRef>
-          <a:fontRef idx="minor">
-            <a:schemeClr val="lt1"/>
-          </a:fontRef>
-        </p:style>
-        <p:txBody>
-          <a:bodyPr spcFirstLastPara="0" vert="horz" wrap="square" lIns="0" tIns="0" rIns="0" bIns="0" numCol="1" spcCol="1270" anchor="ctr" anchorCtr="0">
-            <a:noAutofit/>
-          </a:bodyPr>
-          <a:lstStyle/>
-          <a:p>
-            <a:pPr marL="0" lvl="0" indent="0" algn="ctr" defTabSz="1466850">
-              <a:lnSpc>
-                <a:spcPct val="90000"/>
-              </a:lnSpc>
-              <a:spcBef>
-                <a:spcPct val="0"/>
-              </a:spcBef>
-              <a:spcAft>
-                <a:spcPct val="35000"/>
-              </a:spcAft>
-              <a:buNone/>
-            </a:pPr>
-            <a:r>
-              <a:rPr lang="de-DE" sz="2000" kern="1200" dirty="0">
-                <a:solidFill>
-                  <a:schemeClr val="tx1"/>
-                </a:solidFill>
-              </a:rPr>
-              <a:t>A</a:t>
-            </a:r>
-            <a:r>
-              <a:rPr lang="de-DE" sz="2000" dirty="0">
-                <a:solidFill>
-                  <a:schemeClr val="tx1"/>
-                </a:solidFill>
-              </a:rPr>
-              <a:t>ctionresearch</a:t>
+              <a:t>Action-Research</a:t>
             </a:r>
             <a:endParaRPr lang="de-DE" sz="2000" kern="1200" dirty="0">
               <a:solidFill>
@@ -12861,7 +12560,7 @@
           <p:nvPr/>
         </p:nvPicPr>
         <p:blipFill>
-          <a:blip r:embed="rId8">
+          <a:blip r:embed="rId9" cstate="email">
             <a:extLst>
               <a:ext uri="{28A0092B-C50C-407E-A947-70E740481C1C}">
                 <a14:useLocalDpi xmlns:a14="http://schemas.microsoft.com/office/drawing/2010/main" val="0"/>
@@ -12874,42 +12573,20 @@
         </p:blipFill>
         <p:spPr>
           <a:xfrm>
-            <a:off x="23083610" y="3331510"/>
-            <a:ext cx="9175158" cy="5063171"/>
+            <a:off x="24349558" y="3388890"/>
+            <a:ext cx="6727675" cy="4763939"/>
           </a:xfrm>
           <a:prstGeom prst="rect">
             <a:avLst/>
           </a:prstGeom>
           <a:solidFill>
-            <a:srgbClr val="FFFFFF">
-              <a:shade val="85000"/>
-            </a:srgbClr>
+            <a:srgbClr val="9F9FCF"/>
           </a:solidFill>
-          <a:ln w="88900" cap="sq">
+          <a:ln w="3175">
             <a:solidFill>
-              <a:srgbClr val="FFFFFF"/>
+              <a:schemeClr val="tx1"/>
             </a:solidFill>
-            <a:miter lim="800000"/>
           </a:ln>
-          <a:effectLst>
-            <a:outerShdw blurRad="55000" dist="18000" dir="5400000" algn="tl" rotWithShape="0">
-              <a:srgbClr val="000000">
-                <a:alpha val="40000"/>
-              </a:srgbClr>
-            </a:outerShdw>
-          </a:effectLst>
-          <a:scene3d>
-            <a:camera prst="orthographicFront"/>
-            <a:lightRig rig="twoPt" dir="t">
-              <a:rot lat="0" lon="0" rev="7200000"/>
-            </a:lightRig>
-          </a:scene3d>
-          <a:sp3d>
-            <a:bevelT w="25400" h="19050"/>
-            <a:contourClr>
-              <a:srgbClr val="FFFFFF"/>
-            </a:contourClr>
-          </a:sp3d>
         </p:spPr>
       </p:pic>
       <p:pic>
@@ -12927,7 +12604,7 @@
           <p:nvPr/>
         </p:nvPicPr>
         <p:blipFill>
-          <a:blip r:embed="rId9" cstate="email">
+          <a:blip r:embed="rId10" cstate="email">
             <a:extLst>
               <a:ext uri="{28A0092B-C50C-407E-A947-70E740481C1C}">
                 <a14:useLocalDpi xmlns:a14="http://schemas.microsoft.com/office/drawing/2010/main" val="0"/>
@@ -13062,7 +12739,7 @@
           <p:nvPr/>
         </p:nvPicPr>
         <p:blipFill>
-          <a:blip r:embed="rId10">
+          <a:blip r:embed="rId11">
             <a:extLst>
               <a:ext uri="{28A0092B-C50C-407E-A947-70E740481C1C}">
                 <a14:useLocalDpi xmlns:a14="http://schemas.microsoft.com/office/drawing/2010/main" val="0"/>
@@ -13075,7 +12752,7 @@
         </p:blipFill>
         <p:spPr>
           <a:xfrm>
-            <a:off x="24307351" y="8872910"/>
+            <a:off x="24307351" y="9088934"/>
             <a:ext cx="6727675" cy="6330384"/>
           </a:xfrm>
           <a:prstGeom prst="rect">
@@ -13086,9 +12763,9 @@
               <a:shade val="85000"/>
             </a:srgbClr>
           </a:solidFill>
-          <a:ln w="88900" cap="sq">
+          <a:ln w="3175" cap="sq">
             <a:solidFill>
-              <a:srgbClr val="FFFFFF"/>
+              <a:schemeClr val="tx1"/>
             </a:solidFill>
             <a:miter lim="800000"/>
           </a:ln>
@@ -13128,7 +12805,7 @@
           <p:nvPr/>
         </p:nvPicPr>
         <p:blipFill>
-          <a:blip r:embed="rId11">
+          <a:blip r:embed="rId12">
             <a:extLst>
               <a:ext uri="{28A0092B-C50C-407E-A947-70E740481C1C}">
                 <a14:useLocalDpi xmlns:a14="http://schemas.microsoft.com/office/drawing/2010/main" val="0"/>
@@ -13141,7 +12818,7 @@
         </p:blipFill>
         <p:spPr>
           <a:xfrm>
-            <a:off x="34460085" y="8889344"/>
+            <a:off x="34460085" y="9105368"/>
             <a:ext cx="6727675" cy="6392278"/>
           </a:xfrm>
           <a:prstGeom prst="rect">
@@ -13152,9 +12829,9 @@
               <a:shade val="85000"/>
             </a:srgbClr>
           </a:solidFill>
-          <a:ln w="88900" cap="sq">
+          <a:ln w="3175" cap="sq">
             <a:solidFill>
-              <a:srgbClr val="FFFFFF"/>
+              <a:schemeClr val="tx1"/>
             </a:solidFill>
             <a:miter lim="800000"/>
           </a:ln>
@@ -13181,46 +12858,10 @@
       </p:pic>
       <p:pic>
         <p:nvPicPr>
-          <p:cNvPr id="67" name="Grafik 66">
+          <p:cNvPr id="74" name="Grafik 73">
             <a:extLst>
               <a:ext uri="{FF2B5EF4-FFF2-40B4-BE49-F238E27FC236}">
-                <a16:creationId xmlns:a16="http://schemas.microsoft.com/office/drawing/2014/main" id="{137A0839-A522-4B77-9B35-2A89DB0B2F7F}"/>
-              </a:ext>
-            </a:extLst>
-          </p:cNvPr>
-          <p:cNvPicPr>
-            <a:picLocks noChangeAspect="1"/>
-          </p:cNvPicPr>
-          <p:nvPr/>
-        </p:nvPicPr>
-        <p:blipFill>
-          <a:blip r:embed="rId12" cstate="email">
-            <a:extLst>
-              <a:ext uri="{28A0092B-C50C-407E-A947-70E740481C1C}">
-                <a14:useLocalDpi xmlns:a14="http://schemas.microsoft.com/office/drawing/2010/main" val="0"/>
-              </a:ext>
-            </a:extLst>
-          </a:blip>
-          <a:stretch>
-            <a:fillRect/>
-          </a:stretch>
-        </p:blipFill>
-        <p:spPr>
-          <a:xfrm>
-            <a:off x="25459864" y="15890370"/>
-            <a:ext cx="4422648" cy="789432"/>
-          </a:xfrm>
-          <a:prstGeom prst="rect">
-            <a:avLst/>
-          </a:prstGeom>
-        </p:spPr>
-      </p:pic>
-      <p:pic>
-        <p:nvPicPr>
-          <p:cNvPr id="69" name="Grafik 68">
-            <a:extLst>
-              <a:ext uri="{FF2B5EF4-FFF2-40B4-BE49-F238E27FC236}">
-                <a16:creationId xmlns:a16="http://schemas.microsoft.com/office/drawing/2014/main" id="{D8A9E2B6-7615-458F-BDC9-216795E09234}"/>
+                <a16:creationId xmlns:a16="http://schemas.microsoft.com/office/drawing/2014/main" id="{DF4A6CCE-0A66-4460-9E1A-AE349A5DDE1E}"/>
               </a:ext>
             </a:extLst>
           </p:cNvPr>
@@ -13243,50 +12884,506 @@
         </p:blipFill>
         <p:spPr>
           <a:xfrm>
-            <a:off x="36931187" y="15669825"/>
-            <a:ext cx="2608490" cy="1298952"/>
+            <a:off x="34460084" y="3388891"/>
+            <a:ext cx="6727676" cy="4763939"/>
           </a:xfrm>
           <a:prstGeom prst="rect">
             <a:avLst/>
           </a:prstGeom>
+          <a:solidFill>
+            <a:srgbClr val="9F9FCF"/>
+          </a:solidFill>
+          <a:ln w="3175">
+            <a:solidFill>
+              <a:schemeClr val="tx1"/>
+            </a:solidFill>
+          </a:ln>
         </p:spPr>
       </p:pic>
-      <p:pic>
-        <p:nvPicPr>
-          <p:cNvPr id="74" name="Grafik 73">
+      <p:grpSp>
+        <p:nvGrpSpPr>
+          <p:cNvPr id="33" name="Diagram group">
             <a:extLst>
               <a:ext uri="{FF2B5EF4-FFF2-40B4-BE49-F238E27FC236}">
-                <a16:creationId xmlns:a16="http://schemas.microsoft.com/office/drawing/2014/main" id="{DF4A6CCE-0A66-4460-9E1A-AE349A5DDE1E}"/>
+                <a16:creationId xmlns:a16="http://schemas.microsoft.com/office/drawing/2014/main" id="{8EA5A62F-B6C7-46BA-9B0C-7BAD2CC33064}"/>
               </a:ext>
             </a:extLst>
           </p:cNvPr>
-          <p:cNvPicPr>
-            <a:picLocks noChangeAspect="1"/>
-          </p:cNvPicPr>
+          <p:cNvGrpSpPr/>
           <p:nvPr/>
-        </p:nvPicPr>
-        <p:blipFill>
-          <a:blip r:embed="rId14">
+        </p:nvGrpSpPr>
+        <p:grpSpPr>
+          <a:xfrm rot="10800000">
+            <a:off x="29406142" y="23274509"/>
+            <a:ext cx="2325848" cy="864096"/>
+            <a:chOff x="15942226" y="100110"/>
+            <a:chExt cx="1854748" cy="1436842"/>
+          </a:xfrm>
+          <a:scene3d>
+            <a:camera prst="orthographicFront">
+              <a:rot lat="0" lon="0" rev="0"/>
+            </a:camera>
+            <a:lightRig rig="balanced" dir="t">
+              <a:rot lat="0" lon="0" rev="8700000"/>
+            </a:lightRig>
+          </a:scene3d>
+        </p:grpSpPr>
+        <p:grpSp>
+          <p:nvGrpSpPr>
+            <p:cNvPr id="34" name="Gruppieren 33">
+              <a:extLst>
+                <a:ext uri="{FF2B5EF4-FFF2-40B4-BE49-F238E27FC236}">
+                  <a16:creationId xmlns:a16="http://schemas.microsoft.com/office/drawing/2014/main" id="{CB0072BC-12AC-4B62-A5AA-5C55ACE0EAEA}"/>
+                </a:ext>
+              </a:extLst>
+            </p:cNvPr>
+            <p:cNvGrpSpPr/>
+            <p:nvPr/>
+          </p:nvGrpSpPr>
+          <p:grpSpPr>
+            <a:xfrm>
+              <a:off x="15942226" y="100110"/>
+              <a:ext cx="1854748" cy="1436842"/>
+              <a:chOff x="15942226" y="100110"/>
+              <a:chExt cx="1854748" cy="1436842"/>
+            </a:xfrm>
+            <a:scene3d>
+              <a:camera prst="orthographicFront">
+                <a:rot lat="0" lon="0" rev="0"/>
+              </a:camera>
+              <a:lightRig rig="balanced" dir="t">
+                <a:rot lat="0" lon="0" rev="8700000"/>
+              </a:lightRig>
+            </a:scene3d>
+          </p:grpSpPr>
+          <p:sp>
+            <p:nvSpPr>
+              <p:cNvPr id="35" name="Pfeil: nach rechts 34">
+                <a:extLst>
+                  <a:ext uri="{FF2B5EF4-FFF2-40B4-BE49-F238E27FC236}">
+                    <a16:creationId xmlns:a16="http://schemas.microsoft.com/office/drawing/2014/main" id="{C67CA212-605C-45D5-999C-B6A6A6A3B7B3}"/>
+                  </a:ext>
+                </a:extLst>
+              </p:cNvPr>
+              <p:cNvSpPr/>
+              <p:nvPr/>
+            </p:nvSpPr>
+            <p:spPr>
+              <a:xfrm>
+                <a:off x="15942226" y="100110"/>
+                <a:ext cx="1854748" cy="1436842"/>
+              </a:xfrm>
+              <a:prstGeom prst="rightArrow">
+                <a:avLst>
+                  <a:gd name="adj1" fmla="val 60000"/>
+                  <a:gd name="adj2" fmla="val 50000"/>
+                </a:avLst>
+              </a:prstGeom>
+              <a:solidFill>
+                <a:srgbClr val="9F9FCF"/>
+              </a:solidFill>
+              <a:ln>
+                <a:noFill/>
+              </a:ln>
+              <a:effectLst/>
+              <a:scene3d>
+                <a:camera prst="orthographicFront">
+                  <a:rot lat="0" lon="0" rev="0"/>
+                </a:camera>
+                <a:lightRig rig="contrasting" dir="t">
+                  <a:rot lat="0" lon="0" rev="1200000"/>
+                </a:lightRig>
+              </a:scene3d>
+              <a:sp3d z="-182000" contourW="19050" prstMaterial="metal">
+                <a:bevelT w="88900" h="203200"/>
+                <a:bevelB w="165100" h="254000"/>
+              </a:sp3d>
+            </p:spPr>
+          </p:sp>
+          <p:sp>
+            <p:nvSpPr>
+              <p:cNvPr id="36" name="Pfeil: nach rechts 4">
+                <a:extLst>
+                  <a:ext uri="{FF2B5EF4-FFF2-40B4-BE49-F238E27FC236}">
+                    <a16:creationId xmlns:a16="http://schemas.microsoft.com/office/drawing/2014/main" id="{49F7B269-16E1-4467-8393-88E260DED422}"/>
+                  </a:ext>
+                </a:extLst>
+              </p:cNvPr>
+              <p:cNvSpPr txBox="1"/>
+              <p:nvPr/>
+            </p:nvSpPr>
+            <p:spPr>
+              <a:xfrm>
+                <a:off x="15942226" y="387478"/>
+                <a:ext cx="1423695" cy="862106"/>
+              </a:xfrm>
+              <a:prstGeom prst="rect">
+                <a:avLst/>
+              </a:prstGeom>
+              <a:solidFill>
+                <a:srgbClr val="9F9FCF"/>
+              </a:solidFill>
+              <a:ln>
+                <a:noFill/>
+              </a:ln>
+              <a:effectLst/>
+              <a:scene3d>
+                <a:camera prst="orthographicFront">
+                  <a:rot lat="0" lon="0" rev="0"/>
+                </a:camera>
+                <a:lightRig rig="contrasting" dir="t">
+                  <a:rot lat="0" lon="0" rev="1200000"/>
+                </a:lightRig>
+              </a:scene3d>
+              <a:sp3d z="-182000" contourW="19050" prstMaterial="metal">
+                <a:bevelT w="88900" h="203200"/>
+                <a:bevelB w="165100" h="254000"/>
+              </a:sp3d>
+            </p:spPr>
+            <p:txBody>
+              <a:bodyPr spcFirstLastPara="0" vert="horz" wrap="square" lIns="0" tIns="0" rIns="0" bIns="0" numCol="1" spcCol="1270" anchor="ctr" anchorCtr="0">
+                <a:noAutofit/>
+              </a:bodyPr>
+              <a:lstStyle>
+                <a:lvl1pPr marL="0" lvl="0" indent="0" algn="ctr" defTabSz="1333500">
+                  <a:lnSpc>
+                    <a:spcPct val="90000"/>
+                  </a:lnSpc>
+                  <a:spcAft>
+                    <a:spcPct val="35000"/>
+                  </a:spcAft>
+                  <a:buNone/>
+                  <a:defRPr sz="3000">
+                    <a:solidFill>
+                      <a:srgbClr val="FFFFFF"/>
+                    </a:solidFill>
+                    <a:latin typeface="Times New Roman"/>
+                  </a:defRPr>
+                </a:lvl1pPr>
+              </a:lstStyle>
+              <a:p>
+                <a:endParaRPr lang="de-DE"/>
+              </a:p>
+            </p:txBody>
+          </p:sp>
+        </p:grpSp>
+      </p:grpSp>
+      <p:sp>
+        <p:nvSpPr>
+          <p:cNvPr id="37" name="Pfeil: nach rechts 4">
             <a:extLst>
-              <a:ext uri="{28A0092B-C50C-407E-A947-70E740481C1C}">
-                <a14:useLocalDpi xmlns:a14="http://schemas.microsoft.com/office/drawing/2010/main" val="0"/>
+              <a:ext uri="{FF2B5EF4-FFF2-40B4-BE49-F238E27FC236}">
+                <a16:creationId xmlns:a16="http://schemas.microsoft.com/office/drawing/2014/main" id="{15D56877-29FC-4DF6-9341-6E64BA429484}"/>
               </a:ext>
             </a:extLst>
-          </a:blip>
-          <a:stretch>
-            <a:fillRect/>
-          </a:stretch>
-        </p:blipFill>
+          </p:cNvPr>
+          <p:cNvSpPr txBox="1"/>
+          <p:nvPr/>
+        </p:nvSpPr>
         <p:spPr>
           <a:xfrm>
-            <a:off x="33540374" y="3476560"/>
-            <a:ext cx="7863410" cy="4918121"/>
+            <a:off x="29452945" y="23447327"/>
+            <a:ext cx="2541863" cy="518459"/>
           </a:xfrm>
           <a:prstGeom prst="rect">
             <a:avLst/>
           </a:prstGeom>
+          <a:scene3d>
+            <a:camera prst="orthographicFront">
+              <a:rot lat="0" lon="0" rev="0"/>
+            </a:camera>
+            <a:lightRig rig="balanced" dir="t">
+              <a:rot lat="0" lon="0" rev="8700000"/>
+            </a:lightRig>
+          </a:scene3d>
+          <a:sp3d z="-182000"/>
         </p:spPr>
-      </p:pic>
+        <p:style>
+          <a:lnRef idx="0">
+            <a:scrgbClr r="0" g="0" b="0"/>
+          </a:lnRef>
+          <a:fillRef idx="0">
+            <a:scrgbClr r="0" g="0" b="0"/>
+          </a:fillRef>
+          <a:effectRef idx="0">
+            <a:scrgbClr r="0" g="0" b="0"/>
+          </a:effectRef>
+          <a:fontRef idx="minor">
+            <a:schemeClr val="lt1"/>
+          </a:fontRef>
+        </p:style>
+        <p:txBody>
+          <a:bodyPr spcFirstLastPara="0" vert="horz" wrap="square" lIns="0" tIns="0" rIns="0" bIns="0" numCol="1" spcCol="1270" anchor="ctr" anchorCtr="0">
+            <a:noAutofit/>
+          </a:bodyPr>
+          <a:lstStyle/>
+          <a:p>
+            <a:pPr lvl="0" algn="ctr" defTabSz="1466850">
+              <a:lnSpc>
+                <a:spcPct val="90000"/>
+              </a:lnSpc>
+              <a:spcAft>
+                <a:spcPct val="35000"/>
+              </a:spcAft>
+            </a:pPr>
+            <a:r>
+              <a:rPr lang="de-DE" sz="2000" dirty="0">
+                <a:solidFill>
+                  <a:schemeClr val="tx1"/>
+                </a:solidFill>
+              </a:rPr>
+              <a:t>Action-Research</a:t>
+            </a:r>
+            <a:endParaRPr lang="de-DE" sz="2000" kern="1200" dirty="0">
+              <a:solidFill>
+                <a:schemeClr val="tx1"/>
+              </a:solidFill>
+            </a:endParaRPr>
+          </a:p>
+        </p:txBody>
+      </p:sp>
+      <p:grpSp>
+        <p:nvGrpSpPr>
+          <p:cNvPr id="38" name="Diagram group">
+            <a:extLst>
+              <a:ext uri="{FF2B5EF4-FFF2-40B4-BE49-F238E27FC236}">
+                <a16:creationId xmlns:a16="http://schemas.microsoft.com/office/drawing/2014/main" id="{1E8B5784-1BCE-4B06-B85F-7BCC2080C57F}"/>
+              </a:ext>
+            </a:extLst>
+          </p:cNvPr>
+          <p:cNvGrpSpPr/>
+          <p:nvPr/>
+        </p:nvGrpSpPr>
+        <p:grpSpPr>
+          <a:xfrm rot="10800000">
+            <a:off x="9363846" y="23101690"/>
+            <a:ext cx="2325848" cy="864096"/>
+            <a:chOff x="15942226" y="100110"/>
+            <a:chExt cx="1854748" cy="1436842"/>
+          </a:xfrm>
+          <a:scene3d>
+            <a:camera prst="orthographicFront">
+              <a:rot lat="0" lon="0" rev="0"/>
+            </a:camera>
+            <a:lightRig rig="balanced" dir="t">
+              <a:rot lat="0" lon="0" rev="8700000"/>
+            </a:lightRig>
+          </a:scene3d>
+        </p:grpSpPr>
+        <p:grpSp>
+          <p:nvGrpSpPr>
+            <p:cNvPr id="39" name="Gruppieren 38">
+              <a:extLst>
+                <a:ext uri="{FF2B5EF4-FFF2-40B4-BE49-F238E27FC236}">
+                  <a16:creationId xmlns:a16="http://schemas.microsoft.com/office/drawing/2014/main" id="{280AAD1A-CCA8-4939-8AC7-042480A07881}"/>
+                </a:ext>
+              </a:extLst>
+            </p:cNvPr>
+            <p:cNvGrpSpPr/>
+            <p:nvPr/>
+          </p:nvGrpSpPr>
+          <p:grpSpPr>
+            <a:xfrm>
+              <a:off x="15942226" y="100110"/>
+              <a:ext cx="1854748" cy="1436842"/>
+              <a:chOff x="15942226" y="100110"/>
+              <a:chExt cx="1854748" cy="1436842"/>
+            </a:xfrm>
+            <a:scene3d>
+              <a:camera prst="orthographicFront">
+                <a:rot lat="0" lon="0" rev="0"/>
+              </a:camera>
+              <a:lightRig rig="balanced" dir="t">
+                <a:rot lat="0" lon="0" rev="8700000"/>
+              </a:lightRig>
+            </a:scene3d>
+          </p:grpSpPr>
+          <p:sp>
+            <p:nvSpPr>
+              <p:cNvPr id="40" name="Pfeil: nach rechts 39">
+                <a:extLst>
+                  <a:ext uri="{FF2B5EF4-FFF2-40B4-BE49-F238E27FC236}">
+                    <a16:creationId xmlns:a16="http://schemas.microsoft.com/office/drawing/2014/main" id="{C594CB73-4C49-4019-8BBA-0565365AC1BA}"/>
+                  </a:ext>
+                </a:extLst>
+              </p:cNvPr>
+              <p:cNvSpPr/>
+              <p:nvPr/>
+            </p:nvSpPr>
+            <p:spPr>
+              <a:xfrm>
+                <a:off x="15942226" y="100110"/>
+                <a:ext cx="1854748" cy="1436842"/>
+              </a:xfrm>
+              <a:prstGeom prst="rightArrow">
+                <a:avLst>
+                  <a:gd name="adj1" fmla="val 60000"/>
+                  <a:gd name="adj2" fmla="val 50000"/>
+                </a:avLst>
+              </a:prstGeom>
+              <a:solidFill>
+                <a:srgbClr val="9F9FCF"/>
+              </a:solidFill>
+              <a:ln>
+                <a:noFill/>
+              </a:ln>
+              <a:effectLst/>
+              <a:scene3d>
+                <a:camera prst="orthographicFront">
+                  <a:rot lat="0" lon="0" rev="0"/>
+                </a:camera>
+                <a:lightRig rig="contrasting" dir="t">
+                  <a:rot lat="0" lon="0" rev="1200000"/>
+                </a:lightRig>
+              </a:scene3d>
+              <a:sp3d z="-182000" contourW="19050" prstMaterial="metal">
+                <a:bevelT w="88900" h="203200"/>
+                <a:bevelB w="165100" h="254000"/>
+              </a:sp3d>
+            </p:spPr>
+          </p:sp>
+          <p:sp>
+            <p:nvSpPr>
+              <p:cNvPr id="55" name="Pfeil: nach rechts 4">
+                <a:extLst>
+                  <a:ext uri="{FF2B5EF4-FFF2-40B4-BE49-F238E27FC236}">
+                    <a16:creationId xmlns:a16="http://schemas.microsoft.com/office/drawing/2014/main" id="{EA1903BA-5EA9-4693-9161-FCBE80F467BC}"/>
+                  </a:ext>
+                </a:extLst>
+              </p:cNvPr>
+              <p:cNvSpPr txBox="1"/>
+              <p:nvPr/>
+            </p:nvSpPr>
+            <p:spPr>
+              <a:xfrm>
+                <a:off x="15942226" y="387478"/>
+                <a:ext cx="1423695" cy="862106"/>
+              </a:xfrm>
+              <a:prstGeom prst="rect">
+                <a:avLst/>
+              </a:prstGeom>
+              <a:solidFill>
+                <a:srgbClr val="9F9FCF"/>
+              </a:solidFill>
+              <a:ln>
+                <a:noFill/>
+              </a:ln>
+              <a:effectLst/>
+              <a:scene3d>
+                <a:camera prst="orthographicFront">
+                  <a:rot lat="0" lon="0" rev="0"/>
+                </a:camera>
+                <a:lightRig rig="contrasting" dir="t">
+                  <a:rot lat="0" lon="0" rev="1200000"/>
+                </a:lightRig>
+              </a:scene3d>
+              <a:sp3d z="-182000" contourW="19050" prstMaterial="metal">
+                <a:bevelT w="88900" h="203200"/>
+                <a:bevelB w="165100" h="254000"/>
+              </a:sp3d>
+            </p:spPr>
+            <p:txBody>
+              <a:bodyPr spcFirstLastPara="0" vert="horz" wrap="square" lIns="0" tIns="0" rIns="0" bIns="0" numCol="1" spcCol="1270" anchor="ctr" anchorCtr="0">
+                <a:noAutofit/>
+              </a:bodyPr>
+              <a:lstStyle>
+                <a:lvl1pPr marL="0" lvl="0" indent="0" algn="ctr" defTabSz="1333500">
+                  <a:lnSpc>
+                    <a:spcPct val="90000"/>
+                  </a:lnSpc>
+                  <a:spcAft>
+                    <a:spcPct val="35000"/>
+                  </a:spcAft>
+                  <a:buNone/>
+                  <a:defRPr sz="3000">
+                    <a:solidFill>
+                      <a:srgbClr val="FFFFFF"/>
+                    </a:solidFill>
+                    <a:latin typeface="Times New Roman"/>
+                  </a:defRPr>
+                </a:lvl1pPr>
+              </a:lstStyle>
+              <a:p>
+                <a:endParaRPr lang="de-DE"/>
+              </a:p>
+            </p:txBody>
+          </p:sp>
+        </p:grpSp>
+      </p:grpSp>
+      <p:sp>
+        <p:nvSpPr>
+          <p:cNvPr id="57" name="Pfeil: nach rechts 4">
+            <a:extLst>
+              <a:ext uri="{FF2B5EF4-FFF2-40B4-BE49-F238E27FC236}">
+                <a16:creationId xmlns:a16="http://schemas.microsoft.com/office/drawing/2014/main" id="{82B8E494-5FBC-4A4D-BCDE-1223885A449B}"/>
+              </a:ext>
+            </a:extLst>
+          </p:cNvPr>
+          <p:cNvSpPr txBox="1"/>
+          <p:nvPr/>
+        </p:nvSpPr>
+        <p:spPr>
+          <a:xfrm>
+            <a:off x="9410649" y="23274508"/>
+            <a:ext cx="2541863" cy="518459"/>
+          </a:xfrm>
+          <a:prstGeom prst="rect">
+            <a:avLst/>
+          </a:prstGeom>
+          <a:scene3d>
+            <a:camera prst="orthographicFront">
+              <a:rot lat="0" lon="0" rev="0"/>
+            </a:camera>
+            <a:lightRig rig="balanced" dir="t">
+              <a:rot lat="0" lon="0" rev="8700000"/>
+            </a:lightRig>
+          </a:scene3d>
+          <a:sp3d z="-182000"/>
+        </p:spPr>
+        <p:style>
+          <a:lnRef idx="0">
+            <a:scrgbClr r="0" g="0" b="0"/>
+          </a:lnRef>
+          <a:fillRef idx="0">
+            <a:scrgbClr r="0" g="0" b="0"/>
+          </a:fillRef>
+          <a:effectRef idx="0">
+            <a:scrgbClr r="0" g="0" b="0"/>
+          </a:effectRef>
+          <a:fontRef idx="minor">
+            <a:schemeClr val="lt1"/>
+          </a:fontRef>
+        </p:style>
+        <p:txBody>
+          <a:bodyPr spcFirstLastPara="0" vert="horz" wrap="square" lIns="0" tIns="0" rIns="0" bIns="0" numCol="1" spcCol="1270" anchor="ctr" anchorCtr="0">
+            <a:noAutofit/>
+          </a:bodyPr>
+          <a:lstStyle/>
+          <a:p>
+            <a:pPr lvl="0" algn="ctr" defTabSz="1466850">
+              <a:lnSpc>
+                <a:spcPct val="90000"/>
+              </a:lnSpc>
+              <a:spcAft>
+                <a:spcPct val="35000"/>
+              </a:spcAft>
+            </a:pPr>
+            <a:r>
+              <a:rPr lang="de-DE" sz="2000" dirty="0">
+                <a:solidFill>
+                  <a:schemeClr val="tx1"/>
+                </a:solidFill>
+              </a:rPr>
+              <a:t>Action-Research</a:t>
+            </a:r>
+            <a:endParaRPr lang="de-DE" sz="2000" kern="1200" dirty="0">
+              <a:solidFill>
+                <a:schemeClr val="tx1"/>
+              </a:solidFill>
+            </a:endParaRPr>
+          </a:p>
+        </p:txBody>
+      </p:sp>
     </p:spTree>
     <p:extLst>
       <p:ext uri="{BB962C8B-B14F-4D97-AF65-F5344CB8AC3E}">
